--- a/grafiken.pptx
+++ b/grafiken.pptx
@@ -4,8 +4,14 @@
   <p:sldMasterIdLst>
     <p:sldMasterId id="2147483648" r:id="rId1"/>
   </p:sldMasterIdLst>
+  <p:notesMasterIdLst>
+    <p:notesMasterId r:id="rId6"/>
+  </p:notesMasterIdLst>
   <p:sldIdLst>
     <p:sldId id="256" r:id="rId2"/>
+    <p:sldId id="258" r:id="rId3"/>
+    <p:sldId id="259" r:id="rId4"/>
+    <p:sldId id="257" r:id="rId5"/>
   </p:sldIdLst>
   <p:sldSz cx="12192000" cy="6858000"/>
   <p:notesSz cx="6858000" cy="9144000"/>
@@ -104,7 +110,573 @@
       </a:defRPr>
     </a:lvl9pPr>
   </p:defaultTextStyle>
+  <p:extLst>
+    <p:ext uri="{EFAFB233-063F-42B5-8137-9DF3F51BA10A}">
+      <p15:sldGuideLst xmlns:p15="http://schemas.microsoft.com/office/powerpoint/2012/main"/>
+    </p:ext>
+  </p:extLst>
 </p:presentation>
+</file>
+
+<file path=ppt/notesMasters/notesMaster1.xml><?xml version="1.0" encoding="utf-8"?>
+<p:notesMaster xmlns:a="http://schemas.openxmlformats.org/drawingml/2006/main" xmlns:r="http://schemas.openxmlformats.org/officeDocument/2006/relationships" xmlns:p="http://schemas.openxmlformats.org/presentationml/2006/main">
+  <p:cSld>
+    <p:bg>
+      <p:bgRef idx="1001">
+        <a:schemeClr val="bg1"/>
+      </p:bgRef>
+    </p:bg>
+    <p:spTree>
+      <p:nvGrpSpPr>
+        <p:cNvPr id="1" name=""/>
+        <p:cNvGrpSpPr/>
+        <p:nvPr/>
+      </p:nvGrpSpPr>
+      <p:grpSpPr>
+        <a:xfrm>
+          <a:off x="0" y="0"/>
+          <a:ext cx="0" cy="0"/>
+          <a:chOff x="0" y="0"/>
+          <a:chExt cx="0" cy="0"/>
+        </a:xfrm>
+      </p:grpSpPr>
+      <p:sp>
+        <p:nvSpPr>
+          <p:cNvPr id="2" name="Kopfzeilenplatzhalter 1"/>
+          <p:cNvSpPr>
+            <a:spLocks noGrp="1"/>
+          </p:cNvSpPr>
+          <p:nvPr>
+            <p:ph type="hdr" sz="quarter"/>
+          </p:nvPr>
+        </p:nvSpPr>
+        <p:spPr>
+          <a:xfrm>
+            <a:off x="0" y="0"/>
+            <a:ext cx="2971800" cy="458788"/>
+          </a:xfrm>
+          <a:prstGeom prst="rect">
+            <a:avLst/>
+          </a:prstGeom>
+        </p:spPr>
+        <p:txBody>
+          <a:bodyPr vert="horz" lIns="91440" tIns="45720" rIns="91440" bIns="45720" rtlCol="0"/>
+          <a:lstStyle>
+            <a:lvl1pPr algn="l">
+              <a:defRPr sz="1200"/>
+            </a:lvl1pPr>
+          </a:lstStyle>
+          <a:p>
+            <a:endParaRPr lang="de-DE"/>
+          </a:p>
+        </p:txBody>
+      </p:sp>
+      <p:sp>
+        <p:nvSpPr>
+          <p:cNvPr id="3" name="Datumsplatzhalter 2"/>
+          <p:cNvSpPr>
+            <a:spLocks noGrp="1"/>
+          </p:cNvSpPr>
+          <p:nvPr>
+            <p:ph type="dt" idx="1"/>
+          </p:nvPr>
+        </p:nvSpPr>
+        <p:spPr>
+          <a:xfrm>
+            <a:off x="3884613" y="0"/>
+            <a:ext cx="2971800" cy="458788"/>
+          </a:xfrm>
+          <a:prstGeom prst="rect">
+            <a:avLst/>
+          </a:prstGeom>
+        </p:spPr>
+        <p:txBody>
+          <a:bodyPr vert="horz" lIns="91440" tIns="45720" rIns="91440" bIns="45720" rtlCol="0"/>
+          <a:lstStyle>
+            <a:lvl1pPr algn="r">
+              <a:defRPr sz="1200"/>
+            </a:lvl1pPr>
+          </a:lstStyle>
+          <a:p>
+            <a:fld id="{C4D0ED0B-4CCF-459E-84D8-67F548D32C69}" type="datetimeFigureOut">
+              <a:rPr lang="de-DE" smtClean="0"/>
+              <a:t>06.05.2025</a:t>
+            </a:fld>
+            <a:endParaRPr lang="de-DE"/>
+          </a:p>
+        </p:txBody>
+      </p:sp>
+      <p:sp>
+        <p:nvSpPr>
+          <p:cNvPr id="4" name="Folienbildplatzhalter 3"/>
+          <p:cNvSpPr>
+            <a:spLocks noGrp="1" noRot="1" noChangeAspect="1"/>
+          </p:cNvSpPr>
+          <p:nvPr>
+            <p:ph type="sldImg" idx="2"/>
+          </p:nvPr>
+        </p:nvSpPr>
+        <p:spPr>
+          <a:xfrm>
+            <a:off x="685800" y="1143000"/>
+            <a:ext cx="5486400" cy="3086100"/>
+          </a:xfrm>
+          <a:prstGeom prst="rect">
+            <a:avLst/>
+          </a:prstGeom>
+          <a:noFill/>
+          <a:ln w="12700">
+            <a:solidFill>
+              <a:prstClr val="black"/>
+            </a:solidFill>
+          </a:ln>
+        </p:spPr>
+        <p:txBody>
+          <a:bodyPr vert="horz" lIns="91440" tIns="45720" rIns="91440" bIns="45720" rtlCol="0" anchor="ctr"/>
+          <a:lstStyle/>
+          <a:p>
+            <a:endParaRPr lang="de-DE"/>
+          </a:p>
+        </p:txBody>
+      </p:sp>
+      <p:sp>
+        <p:nvSpPr>
+          <p:cNvPr id="5" name="Notizenplatzhalter 4"/>
+          <p:cNvSpPr>
+            <a:spLocks noGrp="1"/>
+          </p:cNvSpPr>
+          <p:nvPr>
+            <p:ph type="body" sz="quarter" idx="3"/>
+          </p:nvPr>
+        </p:nvSpPr>
+        <p:spPr>
+          <a:xfrm>
+            <a:off x="685800" y="4400550"/>
+            <a:ext cx="5486400" cy="3600450"/>
+          </a:xfrm>
+          <a:prstGeom prst="rect">
+            <a:avLst/>
+          </a:prstGeom>
+        </p:spPr>
+        <p:txBody>
+          <a:bodyPr vert="horz" lIns="91440" tIns="45720" rIns="91440" bIns="45720" rtlCol="0"/>
+          <a:lstStyle/>
+          <a:p>
+            <a:pPr lvl="0"/>
+            <a:r>
+              <a:rPr lang="de-DE"/>
+              <a:t>Mastertextformat bearbeiten</a:t>
+            </a:r>
+          </a:p>
+          <a:p>
+            <a:pPr lvl="1"/>
+            <a:r>
+              <a:rPr lang="de-DE"/>
+              <a:t>Zweite Ebene</a:t>
+            </a:r>
+          </a:p>
+          <a:p>
+            <a:pPr lvl="2"/>
+            <a:r>
+              <a:rPr lang="de-DE"/>
+              <a:t>Dritte Ebene</a:t>
+            </a:r>
+          </a:p>
+          <a:p>
+            <a:pPr lvl="3"/>
+            <a:r>
+              <a:rPr lang="de-DE"/>
+              <a:t>Vierte Ebene</a:t>
+            </a:r>
+          </a:p>
+          <a:p>
+            <a:pPr lvl="4"/>
+            <a:r>
+              <a:rPr lang="de-DE"/>
+              <a:t>Fünfte Ebene</a:t>
+            </a:r>
+          </a:p>
+        </p:txBody>
+      </p:sp>
+      <p:sp>
+        <p:nvSpPr>
+          <p:cNvPr id="6" name="Fußzeilenplatzhalter 5"/>
+          <p:cNvSpPr>
+            <a:spLocks noGrp="1"/>
+          </p:cNvSpPr>
+          <p:nvPr>
+            <p:ph type="ftr" sz="quarter" idx="4"/>
+          </p:nvPr>
+        </p:nvSpPr>
+        <p:spPr>
+          <a:xfrm>
+            <a:off x="0" y="8685213"/>
+            <a:ext cx="2971800" cy="458787"/>
+          </a:xfrm>
+          <a:prstGeom prst="rect">
+            <a:avLst/>
+          </a:prstGeom>
+        </p:spPr>
+        <p:txBody>
+          <a:bodyPr vert="horz" lIns="91440" tIns="45720" rIns="91440" bIns="45720" rtlCol="0" anchor="b"/>
+          <a:lstStyle>
+            <a:lvl1pPr algn="l">
+              <a:defRPr sz="1200"/>
+            </a:lvl1pPr>
+          </a:lstStyle>
+          <a:p>
+            <a:endParaRPr lang="de-DE"/>
+          </a:p>
+        </p:txBody>
+      </p:sp>
+      <p:sp>
+        <p:nvSpPr>
+          <p:cNvPr id="7" name="Foliennummernplatzhalter 6"/>
+          <p:cNvSpPr>
+            <a:spLocks noGrp="1"/>
+          </p:cNvSpPr>
+          <p:nvPr>
+            <p:ph type="sldNum" sz="quarter" idx="5"/>
+          </p:nvPr>
+        </p:nvSpPr>
+        <p:spPr>
+          <a:xfrm>
+            <a:off x="3884613" y="8685213"/>
+            <a:ext cx="2971800" cy="458787"/>
+          </a:xfrm>
+          <a:prstGeom prst="rect">
+            <a:avLst/>
+          </a:prstGeom>
+        </p:spPr>
+        <p:txBody>
+          <a:bodyPr vert="horz" lIns="91440" tIns="45720" rIns="91440" bIns="45720" rtlCol="0" anchor="b"/>
+          <a:lstStyle>
+            <a:lvl1pPr algn="r">
+              <a:defRPr sz="1200"/>
+            </a:lvl1pPr>
+          </a:lstStyle>
+          <a:p>
+            <a:fld id="{F4C7EDC7-362A-460C-A4CD-D06EEE31B1C1}" type="slidenum">
+              <a:rPr lang="de-DE" smtClean="0"/>
+              <a:t>‹Nr.›</a:t>
+            </a:fld>
+            <a:endParaRPr lang="de-DE"/>
+          </a:p>
+        </p:txBody>
+      </p:sp>
+    </p:spTree>
+    <p:extLst>
+      <p:ext uri="{BB962C8B-B14F-4D97-AF65-F5344CB8AC3E}">
+        <p14:creationId xmlns:p14="http://schemas.microsoft.com/office/powerpoint/2010/main" val="3191765129"/>
+      </p:ext>
+    </p:extLst>
+  </p:cSld>
+  <p:clrMap bg1="lt1" tx1="dk1" bg2="lt2" tx2="dk2" accent1="accent1" accent2="accent2" accent3="accent3" accent4="accent4" accent5="accent5" accent6="accent6" hlink="hlink" folHlink="folHlink"/>
+  <p:notesStyle>
+    <a:lvl1pPr marL="0" algn="l" defTabSz="914400" rtl="0" eaLnBrk="1" latinLnBrk="0" hangingPunct="1">
+      <a:defRPr sz="1200" kern="1200">
+        <a:solidFill>
+          <a:schemeClr val="tx1"/>
+        </a:solidFill>
+        <a:latin typeface="+mn-lt"/>
+        <a:ea typeface="+mn-ea"/>
+        <a:cs typeface="+mn-cs"/>
+      </a:defRPr>
+    </a:lvl1pPr>
+    <a:lvl2pPr marL="457200" algn="l" defTabSz="914400" rtl="0" eaLnBrk="1" latinLnBrk="0" hangingPunct="1">
+      <a:defRPr sz="1200" kern="1200">
+        <a:solidFill>
+          <a:schemeClr val="tx1"/>
+        </a:solidFill>
+        <a:latin typeface="+mn-lt"/>
+        <a:ea typeface="+mn-ea"/>
+        <a:cs typeface="+mn-cs"/>
+      </a:defRPr>
+    </a:lvl2pPr>
+    <a:lvl3pPr marL="914400" algn="l" defTabSz="914400" rtl="0" eaLnBrk="1" latinLnBrk="0" hangingPunct="1">
+      <a:defRPr sz="1200" kern="1200">
+        <a:solidFill>
+          <a:schemeClr val="tx1"/>
+        </a:solidFill>
+        <a:latin typeface="+mn-lt"/>
+        <a:ea typeface="+mn-ea"/>
+        <a:cs typeface="+mn-cs"/>
+      </a:defRPr>
+    </a:lvl3pPr>
+    <a:lvl4pPr marL="1371600" algn="l" defTabSz="914400" rtl="0" eaLnBrk="1" latinLnBrk="0" hangingPunct="1">
+      <a:defRPr sz="1200" kern="1200">
+        <a:solidFill>
+          <a:schemeClr val="tx1"/>
+        </a:solidFill>
+        <a:latin typeface="+mn-lt"/>
+        <a:ea typeface="+mn-ea"/>
+        <a:cs typeface="+mn-cs"/>
+      </a:defRPr>
+    </a:lvl4pPr>
+    <a:lvl5pPr marL="1828800" algn="l" defTabSz="914400" rtl="0" eaLnBrk="1" latinLnBrk="0" hangingPunct="1">
+      <a:defRPr sz="1200" kern="1200">
+        <a:solidFill>
+          <a:schemeClr val="tx1"/>
+        </a:solidFill>
+        <a:latin typeface="+mn-lt"/>
+        <a:ea typeface="+mn-ea"/>
+        <a:cs typeface="+mn-cs"/>
+      </a:defRPr>
+    </a:lvl5pPr>
+    <a:lvl6pPr marL="2286000" algn="l" defTabSz="914400" rtl="0" eaLnBrk="1" latinLnBrk="0" hangingPunct="1">
+      <a:defRPr sz="1200" kern="1200">
+        <a:solidFill>
+          <a:schemeClr val="tx1"/>
+        </a:solidFill>
+        <a:latin typeface="+mn-lt"/>
+        <a:ea typeface="+mn-ea"/>
+        <a:cs typeface="+mn-cs"/>
+      </a:defRPr>
+    </a:lvl6pPr>
+    <a:lvl7pPr marL="2743200" algn="l" defTabSz="914400" rtl="0" eaLnBrk="1" latinLnBrk="0" hangingPunct="1">
+      <a:defRPr sz="1200" kern="1200">
+        <a:solidFill>
+          <a:schemeClr val="tx1"/>
+        </a:solidFill>
+        <a:latin typeface="+mn-lt"/>
+        <a:ea typeface="+mn-ea"/>
+        <a:cs typeface="+mn-cs"/>
+      </a:defRPr>
+    </a:lvl7pPr>
+    <a:lvl8pPr marL="3200400" algn="l" defTabSz="914400" rtl="0" eaLnBrk="1" latinLnBrk="0" hangingPunct="1">
+      <a:defRPr sz="1200" kern="1200">
+        <a:solidFill>
+          <a:schemeClr val="tx1"/>
+        </a:solidFill>
+        <a:latin typeface="+mn-lt"/>
+        <a:ea typeface="+mn-ea"/>
+        <a:cs typeface="+mn-cs"/>
+      </a:defRPr>
+    </a:lvl8pPr>
+    <a:lvl9pPr marL="3657600" algn="l" defTabSz="914400" rtl="0" eaLnBrk="1" latinLnBrk="0" hangingPunct="1">
+      <a:defRPr sz="1200" kern="1200">
+        <a:solidFill>
+          <a:schemeClr val="tx1"/>
+        </a:solidFill>
+        <a:latin typeface="+mn-lt"/>
+        <a:ea typeface="+mn-ea"/>
+        <a:cs typeface="+mn-cs"/>
+      </a:defRPr>
+    </a:lvl9pPr>
+  </p:notesStyle>
+</p:notesMaster>
+</file>
+
+<file path=ppt/notesSlides/notesSlide1.xml><?xml version="1.0" encoding="utf-8"?>
+<p:notes xmlns:a="http://schemas.openxmlformats.org/drawingml/2006/main" xmlns:r="http://schemas.openxmlformats.org/officeDocument/2006/relationships" xmlns:p="http://schemas.openxmlformats.org/presentationml/2006/main">
+  <p:cSld>
+    <p:spTree>
+      <p:nvGrpSpPr>
+        <p:cNvPr id="1" name=""/>
+        <p:cNvGrpSpPr/>
+        <p:nvPr/>
+      </p:nvGrpSpPr>
+      <p:grpSpPr>
+        <a:xfrm>
+          <a:off x="0" y="0"/>
+          <a:ext cx="0" cy="0"/>
+          <a:chOff x="0" y="0"/>
+          <a:chExt cx="0" cy="0"/>
+        </a:xfrm>
+      </p:grpSpPr>
+      <p:sp>
+        <p:nvSpPr>
+          <p:cNvPr id="2" name="Folienbildplatzhalter 1"/>
+          <p:cNvSpPr>
+            <a:spLocks noGrp="1" noRot="1" noChangeAspect="1"/>
+          </p:cNvSpPr>
+          <p:nvPr>
+            <p:ph type="sldImg"/>
+          </p:nvPr>
+        </p:nvSpPr>
+        <p:spPr/>
+      </p:sp>
+      <p:sp>
+        <p:nvSpPr>
+          <p:cNvPr id="3" name="Notizenplatzhalter 2"/>
+          <p:cNvSpPr>
+            <a:spLocks noGrp="1"/>
+          </p:cNvSpPr>
+          <p:nvPr>
+            <p:ph type="body" idx="1"/>
+          </p:nvPr>
+        </p:nvSpPr>
+        <p:spPr/>
+        <p:txBody>
+          <a:bodyPr/>
+          <a:lstStyle/>
+          <a:p>
+            <a:r>
+              <a:rPr lang="de-DE" dirty="0"/>
+              <a:t>Effektiv: Bei einfachen UC können einfache Modelle und Methoden verwendet werden um Ressourcen zu sparen</a:t>
+            </a:r>
+          </a:p>
+          <a:p>
+            <a:r>
+              <a:rPr lang="de-DE" dirty="0"/>
+              <a:t>Effizienz: Es können Expertenmodelle entwickelt werden, </a:t>
+            </a:r>
+            <a:r>
+              <a:rPr lang="de-DE" b="1" dirty="0"/>
+              <a:t>die für spezielle Use Cases optimiert sind</a:t>
+            </a:r>
+          </a:p>
+          <a:p>
+            <a:r>
+              <a:rPr lang="de-DE" b="1" dirty="0"/>
+              <a:t>Sicherheit: </a:t>
+            </a:r>
+            <a:endParaRPr lang="de-DE" dirty="0"/>
+          </a:p>
+        </p:txBody>
+      </p:sp>
+      <p:sp>
+        <p:nvSpPr>
+          <p:cNvPr id="4" name="Foliennummernplatzhalter 3"/>
+          <p:cNvSpPr>
+            <a:spLocks noGrp="1"/>
+          </p:cNvSpPr>
+          <p:nvPr>
+            <p:ph type="sldNum" sz="quarter" idx="5"/>
+          </p:nvPr>
+        </p:nvSpPr>
+        <p:spPr/>
+        <p:txBody>
+          <a:bodyPr/>
+          <a:lstStyle/>
+          <a:p>
+            <a:fld id="{F4C7EDC7-362A-460C-A4CD-D06EEE31B1C1}" type="slidenum">
+              <a:rPr lang="de-DE" smtClean="0"/>
+              <a:t>1</a:t>
+            </a:fld>
+            <a:endParaRPr lang="de-DE"/>
+          </a:p>
+        </p:txBody>
+      </p:sp>
+    </p:spTree>
+    <p:extLst>
+      <p:ext uri="{BB962C8B-B14F-4D97-AF65-F5344CB8AC3E}">
+        <p14:creationId xmlns:p14="http://schemas.microsoft.com/office/powerpoint/2010/main" val="2257628946"/>
+      </p:ext>
+    </p:extLst>
+  </p:cSld>
+  <p:clrMapOvr>
+    <a:masterClrMapping/>
+  </p:clrMapOvr>
+</p:notes>
+</file>
+
+<file path=ppt/notesSlides/notesSlide2.xml><?xml version="1.0" encoding="utf-8"?>
+<p:notes xmlns:a="http://schemas.openxmlformats.org/drawingml/2006/main" xmlns:r="http://schemas.openxmlformats.org/officeDocument/2006/relationships" xmlns:p="http://schemas.openxmlformats.org/presentationml/2006/main">
+  <p:cSld>
+    <p:spTree>
+      <p:nvGrpSpPr>
+        <p:cNvPr id="1" name="">
+          <a:extLst>
+            <a:ext uri="{FF2B5EF4-FFF2-40B4-BE49-F238E27FC236}">
+              <a16:creationId xmlns:a16="http://schemas.microsoft.com/office/drawing/2014/main" id="{8F727959-6650-ECB0-67B9-8D6FCB6F966E}"/>
+            </a:ext>
+          </a:extLst>
+        </p:cNvPr>
+        <p:cNvGrpSpPr/>
+        <p:nvPr/>
+      </p:nvGrpSpPr>
+      <p:grpSpPr>
+        <a:xfrm>
+          <a:off x="0" y="0"/>
+          <a:ext cx="0" cy="0"/>
+          <a:chOff x="0" y="0"/>
+          <a:chExt cx="0" cy="0"/>
+        </a:xfrm>
+      </p:grpSpPr>
+      <p:sp>
+        <p:nvSpPr>
+          <p:cNvPr id="2" name="Folienbildplatzhalter 1">
+            <a:extLst>
+              <a:ext uri="{FF2B5EF4-FFF2-40B4-BE49-F238E27FC236}">
+                <a16:creationId xmlns:a16="http://schemas.microsoft.com/office/drawing/2014/main" id="{B72F4D9F-5C16-C4E6-DFFE-49DF4CAC429C}"/>
+              </a:ext>
+            </a:extLst>
+          </p:cNvPr>
+          <p:cNvSpPr>
+            <a:spLocks noGrp="1" noRot="1" noChangeAspect="1"/>
+          </p:cNvSpPr>
+          <p:nvPr>
+            <p:ph type="sldImg"/>
+          </p:nvPr>
+        </p:nvSpPr>
+        <p:spPr/>
+      </p:sp>
+      <p:sp>
+        <p:nvSpPr>
+          <p:cNvPr id="3" name="Notizenplatzhalter 2">
+            <a:extLst>
+              <a:ext uri="{FF2B5EF4-FFF2-40B4-BE49-F238E27FC236}">
+                <a16:creationId xmlns:a16="http://schemas.microsoft.com/office/drawing/2014/main" id="{70F178BD-8007-010C-ABFC-1F7661386FC6}"/>
+              </a:ext>
+            </a:extLst>
+          </p:cNvPr>
+          <p:cNvSpPr>
+            <a:spLocks noGrp="1"/>
+          </p:cNvSpPr>
+          <p:nvPr>
+            <p:ph type="body" idx="1"/>
+          </p:nvPr>
+        </p:nvSpPr>
+        <p:spPr/>
+        <p:txBody>
+          <a:bodyPr/>
+          <a:lstStyle/>
+          <a:p>
+            <a:endParaRPr lang="de-DE" b="1" dirty="0"/>
+          </a:p>
+        </p:txBody>
+      </p:sp>
+      <p:sp>
+        <p:nvSpPr>
+          <p:cNvPr id="4" name="Foliennummernplatzhalter 3">
+            <a:extLst>
+              <a:ext uri="{FF2B5EF4-FFF2-40B4-BE49-F238E27FC236}">
+                <a16:creationId xmlns:a16="http://schemas.microsoft.com/office/drawing/2014/main" id="{67D7C7B6-DF9B-DFC6-D993-98069D933DBD}"/>
+              </a:ext>
+            </a:extLst>
+          </p:cNvPr>
+          <p:cNvSpPr>
+            <a:spLocks noGrp="1"/>
+          </p:cNvSpPr>
+          <p:nvPr>
+            <p:ph type="sldNum" sz="quarter" idx="5"/>
+          </p:nvPr>
+        </p:nvSpPr>
+        <p:spPr/>
+        <p:txBody>
+          <a:bodyPr/>
+          <a:lstStyle/>
+          <a:p>
+            <a:fld id="{F4C7EDC7-362A-460C-A4CD-D06EEE31B1C1}" type="slidenum">
+              <a:rPr lang="de-DE" smtClean="0"/>
+              <a:t>2</a:t>
+            </a:fld>
+            <a:endParaRPr lang="de-DE"/>
+          </a:p>
+        </p:txBody>
+      </p:sp>
+    </p:spTree>
+    <p:extLst>
+      <p:ext uri="{BB962C8B-B14F-4D97-AF65-F5344CB8AC3E}">
+        <p14:creationId xmlns:p14="http://schemas.microsoft.com/office/powerpoint/2010/main" val="3100072450"/>
+      </p:ext>
+    </p:extLst>
+  </p:cSld>
+  <p:clrMapOvr>
+    <a:masterClrMapping/>
+  </p:clrMapOvr>
+</p:notes>
 </file>
 
 <file path=ppt/slideLayouts/slideLayout1.xml><?xml version="1.0" encoding="utf-8"?>
@@ -254,7 +826,7 @@
           <a:p>
             <a:fld id="{697F8687-E0E2-4F86-ABB5-61A5409D8773}" type="datetimeFigureOut">
               <a:rPr lang="de-DE" smtClean="0"/>
-              <a:t>17.04.2025</a:t>
+              <a:t>06.05.2025</a:t>
             </a:fld>
             <a:endParaRPr lang="de-DE"/>
           </a:p>
@@ -452,7 +1024,7 @@
           <a:p>
             <a:fld id="{697F8687-E0E2-4F86-ABB5-61A5409D8773}" type="datetimeFigureOut">
               <a:rPr lang="de-DE" smtClean="0"/>
-              <a:t>17.04.2025</a:t>
+              <a:t>06.05.2025</a:t>
             </a:fld>
             <a:endParaRPr lang="de-DE"/>
           </a:p>
@@ -660,7 +1232,7 @@
           <a:p>
             <a:fld id="{697F8687-E0E2-4F86-ABB5-61A5409D8773}" type="datetimeFigureOut">
               <a:rPr lang="de-DE" smtClean="0"/>
-              <a:t>17.04.2025</a:t>
+              <a:t>06.05.2025</a:t>
             </a:fld>
             <a:endParaRPr lang="de-DE"/>
           </a:p>
@@ -858,7 +1430,7 @@
           <a:p>
             <a:fld id="{697F8687-E0E2-4F86-ABB5-61A5409D8773}" type="datetimeFigureOut">
               <a:rPr lang="de-DE" smtClean="0"/>
-              <a:t>17.04.2025</a:t>
+              <a:t>06.05.2025</a:t>
             </a:fld>
             <a:endParaRPr lang="de-DE"/>
           </a:p>
@@ -1133,7 +1705,7 @@
           <a:p>
             <a:fld id="{697F8687-E0E2-4F86-ABB5-61A5409D8773}" type="datetimeFigureOut">
               <a:rPr lang="de-DE" smtClean="0"/>
-              <a:t>17.04.2025</a:t>
+              <a:t>06.05.2025</a:t>
             </a:fld>
             <a:endParaRPr lang="de-DE"/>
           </a:p>
@@ -1398,7 +1970,7 @@
           <a:p>
             <a:fld id="{697F8687-E0E2-4F86-ABB5-61A5409D8773}" type="datetimeFigureOut">
               <a:rPr lang="de-DE" smtClean="0"/>
-              <a:t>17.04.2025</a:t>
+              <a:t>06.05.2025</a:t>
             </a:fld>
             <a:endParaRPr lang="de-DE"/>
           </a:p>
@@ -1810,7 +2382,7 @@
           <a:p>
             <a:fld id="{697F8687-E0E2-4F86-ABB5-61A5409D8773}" type="datetimeFigureOut">
               <a:rPr lang="de-DE" smtClean="0"/>
-              <a:t>17.04.2025</a:t>
+              <a:t>06.05.2025</a:t>
             </a:fld>
             <a:endParaRPr lang="de-DE"/>
           </a:p>
@@ -1951,7 +2523,7 @@
           <a:p>
             <a:fld id="{697F8687-E0E2-4F86-ABB5-61A5409D8773}" type="datetimeFigureOut">
               <a:rPr lang="de-DE" smtClean="0"/>
-              <a:t>17.04.2025</a:t>
+              <a:t>06.05.2025</a:t>
             </a:fld>
             <a:endParaRPr lang="de-DE"/>
           </a:p>
@@ -2064,7 +2636,7 @@
           <a:p>
             <a:fld id="{697F8687-E0E2-4F86-ABB5-61A5409D8773}" type="datetimeFigureOut">
               <a:rPr lang="de-DE" smtClean="0"/>
-              <a:t>17.04.2025</a:t>
+              <a:t>06.05.2025</a:t>
             </a:fld>
             <a:endParaRPr lang="de-DE"/>
           </a:p>
@@ -2375,7 +2947,7 @@
           <a:p>
             <a:fld id="{697F8687-E0E2-4F86-ABB5-61A5409D8773}" type="datetimeFigureOut">
               <a:rPr lang="de-DE" smtClean="0"/>
-              <a:t>17.04.2025</a:t>
+              <a:t>06.05.2025</a:t>
             </a:fld>
             <a:endParaRPr lang="de-DE"/>
           </a:p>
@@ -2663,7 +3235,7 @@
           <a:p>
             <a:fld id="{697F8687-E0E2-4F86-ABB5-61A5409D8773}" type="datetimeFigureOut">
               <a:rPr lang="de-DE" smtClean="0"/>
-              <a:t>17.04.2025</a:t>
+              <a:t>06.05.2025</a:t>
             </a:fld>
             <a:endParaRPr lang="de-DE"/>
           </a:p>
@@ -2904,7 +3476,7 @@
           <a:p>
             <a:fld id="{697F8687-E0E2-4F86-ABB5-61A5409D8773}" type="datetimeFigureOut">
               <a:rPr lang="de-DE" smtClean="0"/>
-              <a:t>17.04.2025</a:t>
+              <a:t>06.05.2025</a:t>
             </a:fld>
             <a:endParaRPr lang="de-DE"/>
           </a:p>
@@ -3323,10 +3895,2260 @@
       </p:grpSpPr>
       <p:sp>
         <p:nvSpPr>
+          <p:cNvPr id="3" name="Rechteck 2">
+            <a:extLst>
+              <a:ext uri="{FF2B5EF4-FFF2-40B4-BE49-F238E27FC236}">
+                <a16:creationId xmlns:a16="http://schemas.microsoft.com/office/drawing/2014/main" id="{988A7563-BD68-1FEC-1CF1-E2D0869C969D}"/>
+              </a:ext>
+            </a:extLst>
+          </p:cNvPr>
+          <p:cNvSpPr/>
+          <p:nvPr/>
+        </p:nvSpPr>
+        <p:spPr>
+          <a:xfrm>
+            <a:off x="3726907" y="714679"/>
+            <a:ext cx="4892422" cy="764666"/>
+          </a:xfrm>
+          <a:prstGeom prst="rect">
+            <a:avLst/>
+          </a:prstGeom>
+          <a:solidFill>
+            <a:schemeClr val="bg1"/>
+          </a:solidFill>
+          <a:ln w="3175"/>
+        </p:spPr>
+        <p:style>
+          <a:lnRef idx="2">
+            <a:schemeClr val="accent1">
+              <a:shade val="15000"/>
+            </a:schemeClr>
+          </a:lnRef>
+          <a:fillRef idx="1">
+            <a:schemeClr val="accent1"/>
+          </a:fillRef>
+          <a:effectRef idx="0">
+            <a:schemeClr val="accent1"/>
+          </a:effectRef>
+          <a:fontRef idx="minor">
+            <a:schemeClr val="lt1"/>
+          </a:fontRef>
+        </p:style>
+        <p:txBody>
+          <a:bodyPr rtlCol="0" anchor="ctr"/>
+          <a:lstStyle/>
+          <a:p>
+            <a:pPr algn="ctr"/>
+            <a:r>
+              <a:rPr lang="de-DE" sz="2400" b="1" dirty="0" err="1">
+                <a:solidFill>
+                  <a:schemeClr val="tx1">
+                    <a:lumMod val="75000"/>
+                    <a:lumOff val="25000"/>
+                  </a:schemeClr>
+                </a:solidFill>
+              </a:rPr>
+              <a:t>Usecase-Classifier</a:t>
+            </a:r>
+            <a:endParaRPr lang="de-DE" sz="2400" b="1" dirty="0">
+              <a:solidFill>
+                <a:schemeClr val="tx1">
+                  <a:lumMod val="75000"/>
+                  <a:lumOff val="25000"/>
+                </a:schemeClr>
+              </a:solidFill>
+            </a:endParaRPr>
+          </a:p>
+          <a:p>
+            <a:pPr algn="ctr"/>
+            <a:r>
+              <a:rPr lang="de-DE" dirty="0">
+                <a:solidFill>
+                  <a:schemeClr val="tx1">
+                    <a:lumMod val="75000"/>
+                    <a:lumOff val="25000"/>
+                  </a:schemeClr>
+                </a:solidFill>
+              </a:rPr>
+              <a:t>Ordnet Nutzeranfrage einem UC zu</a:t>
+            </a:r>
+          </a:p>
+        </p:txBody>
+      </p:sp>
+      <p:sp>
+        <p:nvSpPr>
+          <p:cNvPr id="13" name="Rechteck 12">
+            <a:extLst>
+              <a:ext uri="{FF2B5EF4-FFF2-40B4-BE49-F238E27FC236}">
+                <a16:creationId xmlns:a16="http://schemas.microsoft.com/office/drawing/2014/main" id="{7A32FF72-E3E1-32D0-D28F-CCD992F05532}"/>
+              </a:ext>
+            </a:extLst>
+          </p:cNvPr>
+          <p:cNvSpPr/>
+          <p:nvPr/>
+        </p:nvSpPr>
+        <p:spPr>
+          <a:xfrm>
+            <a:off x="1397642" y="2258288"/>
+            <a:ext cx="2885123" cy="1170712"/>
+          </a:xfrm>
+          <a:prstGeom prst="rect">
+            <a:avLst/>
+          </a:prstGeom>
+          <a:solidFill>
+            <a:schemeClr val="bg1"/>
+          </a:solidFill>
+          <a:ln w="3175"/>
+        </p:spPr>
+        <p:style>
+          <a:lnRef idx="2">
+            <a:schemeClr val="accent1">
+              <a:shade val="15000"/>
+            </a:schemeClr>
+          </a:lnRef>
+          <a:fillRef idx="1">
+            <a:schemeClr val="accent1"/>
+          </a:fillRef>
+          <a:effectRef idx="0">
+            <a:schemeClr val="accent1"/>
+          </a:effectRef>
+          <a:fontRef idx="minor">
+            <a:schemeClr val="lt1"/>
+          </a:fontRef>
+        </p:style>
+        <p:txBody>
+          <a:bodyPr rtlCol="0" anchor="ctr"/>
+          <a:lstStyle/>
+          <a:p>
+            <a:pPr algn="ctr"/>
+            <a:r>
+              <a:rPr lang="de-DE" sz="2000" dirty="0">
+                <a:solidFill>
+                  <a:schemeClr val="tx1">
+                    <a:lumMod val="75000"/>
+                    <a:lumOff val="25000"/>
+                  </a:schemeClr>
+                </a:solidFill>
+              </a:rPr>
+              <a:t>UC-1</a:t>
+            </a:r>
+          </a:p>
+          <a:p>
+            <a:pPr algn="ctr"/>
+            <a:r>
+              <a:rPr lang="de-DE" sz="2000" dirty="0">
+                <a:solidFill>
+                  <a:schemeClr val="tx1">
+                    <a:lumMod val="75000"/>
+                    <a:lumOff val="25000"/>
+                  </a:schemeClr>
+                </a:solidFill>
+              </a:rPr>
+              <a:t>Einfache Routenplanung</a:t>
+            </a:r>
+          </a:p>
+          <a:p>
+            <a:pPr algn="ctr"/>
+            <a:r>
+              <a:rPr lang="de-DE" sz="1600" dirty="0">
+                <a:solidFill>
+                  <a:schemeClr val="tx1">
+                    <a:lumMod val="75000"/>
+                    <a:lumOff val="25000"/>
+                  </a:schemeClr>
+                </a:solidFill>
+              </a:rPr>
+              <a:t>(1 Start u. 1 Ziel)</a:t>
+            </a:r>
+          </a:p>
+        </p:txBody>
+      </p:sp>
+      <p:sp>
+        <p:nvSpPr>
+          <p:cNvPr id="16" name="Rechteck 15">
+            <a:extLst>
+              <a:ext uri="{FF2B5EF4-FFF2-40B4-BE49-F238E27FC236}">
+                <a16:creationId xmlns:a16="http://schemas.microsoft.com/office/drawing/2014/main" id="{E2602014-2647-D0D8-9692-93A2C9B1A3D5}"/>
+              </a:ext>
+            </a:extLst>
+          </p:cNvPr>
+          <p:cNvSpPr/>
+          <p:nvPr/>
+        </p:nvSpPr>
+        <p:spPr>
+          <a:xfrm>
+            <a:off x="4594994" y="2258288"/>
+            <a:ext cx="3002012" cy="1170712"/>
+          </a:xfrm>
+          <a:prstGeom prst="rect">
+            <a:avLst/>
+          </a:prstGeom>
+          <a:solidFill>
+            <a:schemeClr val="bg1"/>
+          </a:solidFill>
+          <a:ln w="3175"/>
+        </p:spPr>
+        <p:style>
+          <a:lnRef idx="2">
+            <a:schemeClr val="accent1">
+              <a:shade val="15000"/>
+            </a:schemeClr>
+          </a:lnRef>
+          <a:fillRef idx="1">
+            <a:schemeClr val="accent1"/>
+          </a:fillRef>
+          <a:effectRef idx="0">
+            <a:schemeClr val="accent1"/>
+          </a:effectRef>
+          <a:fontRef idx="minor">
+            <a:schemeClr val="lt1"/>
+          </a:fontRef>
+        </p:style>
+        <p:txBody>
+          <a:bodyPr rtlCol="0" anchor="ctr"/>
+          <a:lstStyle/>
+          <a:p>
+            <a:pPr algn="ctr"/>
+            <a:r>
+              <a:rPr lang="de-DE" sz="2000" dirty="0">
+                <a:solidFill>
+                  <a:schemeClr val="tx1">
+                    <a:lumMod val="75000"/>
+                    <a:lumOff val="25000"/>
+                  </a:schemeClr>
+                </a:solidFill>
+              </a:rPr>
+              <a:t>UC-2</a:t>
+            </a:r>
+          </a:p>
+          <a:p>
+            <a:pPr algn="ctr"/>
+            <a:r>
+              <a:rPr lang="de-DE" sz="2000" dirty="0">
+                <a:solidFill>
+                  <a:schemeClr val="tx1">
+                    <a:lumMod val="75000"/>
+                    <a:lumOff val="25000"/>
+                  </a:schemeClr>
+                </a:solidFill>
+              </a:rPr>
+              <a:t>Komplexe Routenplanung</a:t>
+            </a:r>
+          </a:p>
+          <a:p>
+            <a:pPr algn="ctr"/>
+            <a:r>
+              <a:rPr lang="de-DE" sz="1600" dirty="0">
+                <a:solidFill>
+                  <a:schemeClr val="tx1">
+                    <a:lumMod val="75000"/>
+                    <a:lumOff val="25000"/>
+                  </a:schemeClr>
+                </a:solidFill>
+              </a:rPr>
+              <a:t>(mit </a:t>
+            </a:r>
+            <a:r>
+              <a:rPr lang="de-DE" sz="1600" dirty="0" err="1">
+                <a:solidFill>
+                  <a:schemeClr val="tx1">
+                    <a:lumMod val="75000"/>
+                    <a:lumOff val="25000"/>
+                  </a:schemeClr>
+                </a:solidFill>
+              </a:rPr>
+              <a:t>Zwischenstops</a:t>
+            </a:r>
+            <a:r>
+              <a:rPr lang="de-DE" sz="1600" dirty="0">
+                <a:solidFill>
+                  <a:schemeClr val="tx1">
+                    <a:lumMod val="75000"/>
+                    <a:lumOff val="25000"/>
+                  </a:schemeClr>
+                </a:solidFill>
+              </a:rPr>
+              <a:t>)</a:t>
+            </a:r>
+          </a:p>
+        </p:txBody>
+      </p:sp>
+      <p:sp>
+        <p:nvSpPr>
+          <p:cNvPr id="17" name="Rechteck 16">
+            <a:extLst>
+              <a:ext uri="{FF2B5EF4-FFF2-40B4-BE49-F238E27FC236}">
+                <a16:creationId xmlns:a16="http://schemas.microsoft.com/office/drawing/2014/main" id="{A55311C8-7577-6F0B-7581-DE7F3D5CF9A2}"/>
+              </a:ext>
+            </a:extLst>
+          </p:cNvPr>
+          <p:cNvSpPr/>
+          <p:nvPr/>
+        </p:nvSpPr>
+        <p:spPr>
+          <a:xfrm>
+            <a:off x="8960968" y="2258289"/>
+            <a:ext cx="1906678" cy="1170711"/>
+          </a:xfrm>
+          <a:prstGeom prst="rect">
+            <a:avLst/>
+          </a:prstGeom>
+          <a:solidFill>
+            <a:schemeClr val="bg1"/>
+          </a:solidFill>
+          <a:ln w="3175"/>
+        </p:spPr>
+        <p:style>
+          <a:lnRef idx="2">
+            <a:schemeClr val="accent1">
+              <a:shade val="15000"/>
+            </a:schemeClr>
+          </a:lnRef>
+          <a:fillRef idx="1">
+            <a:schemeClr val="accent1"/>
+          </a:fillRef>
+          <a:effectRef idx="0">
+            <a:schemeClr val="accent1"/>
+          </a:effectRef>
+          <a:fontRef idx="minor">
+            <a:schemeClr val="lt1"/>
+          </a:fontRef>
+        </p:style>
+        <p:txBody>
+          <a:bodyPr rtlCol="0" anchor="ctr"/>
+          <a:lstStyle/>
+          <a:p>
+            <a:pPr algn="ctr"/>
+            <a:r>
+              <a:rPr lang="de-DE" sz="2000" dirty="0">
+                <a:solidFill>
+                  <a:schemeClr val="tx1">
+                    <a:lumMod val="75000"/>
+                    <a:lumOff val="25000"/>
+                  </a:schemeClr>
+                </a:solidFill>
+              </a:rPr>
+              <a:t>UC-N</a:t>
+            </a:r>
+          </a:p>
+          <a:p>
+            <a:pPr algn="ctr"/>
+            <a:r>
+              <a:rPr lang="de-DE" sz="2000" dirty="0">
+                <a:solidFill>
+                  <a:schemeClr val="tx1">
+                    <a:lumMod val="75000"/>
+                    <a:lumOff val="25000"/>
+                  </a:schemeClr>
+                </a:solidFill>
+              </a:rPr>
+              <a:t>Unbekannt</a:t>
+            </a:r>
+          </a:p>
+        </p:txBody>
+      </p:sp>
+      <p:sp>
+        <p:nvSpPr>
+          <p:cNvPr id="19" name="Textfeld 18">
+            <a:extLst>
+              <a:ext uri="{FF2B5EF4-FFF2-40B4-BE49-F238E27FC236}">
+                <a16:creationId xmlns:a16="http://schemas.microsoft.com/office/drawing/2014/main" id="{820F8735-A401-84A4-5B75-455B5FAC327A}"/>
+              </a:ext>
+            </a:extLst>
+          </p:cNvPr>
+          <p:cNvSpPr txBox="1"/>
+          <p:nvPr/>
+        </p:nvSpPr>
+        <p:spPr>
+          <a:xfrm>
+            <a:off x="7976660" y="2382595"/>
+            <a:ext cx="604653" cy="707886"/>
+          </a:xfrm>
+          <a:prstGeom prst="rect">
+            <a:avLst/>
+          </a:prstGeom>
+          <a:noFill/>
+        </p:spPr>
+        <p:txBody>
+          <a:bodyPr wrap="none" rtlCol="0">
+            <a:spAutoFit/>
+          </a:bodyPr>
+          <a:lstStyle/>
+          <a:p>
+            <a:r>
+              <a:rPr lang="de-DE" sz="4000" dirty="0"/>
+              <a:t>…</a:t>
+            </a:r>
+          </a:p>
+        </p:txBody>
+      </p:sp>
+      <p:sp>
+        <p:nvSpPr>
+          <p:cNvPr id="29" name="Textfeld 28">
+            <a:extLst>
+              <a:ext uri="{FF2B5EF4-FFF2-40B4-BE49-F238E27FC236}">
+                <a16:creationId xmlns:a16="http://schemas.microsoft.com/office/drawing/2014/main" id="{F258796D-C978-969F-6628-C6481831683B}"/>
+              </a:ext>
+            </a:extLst>
+          </p:cNvPr>
+          <p:cNvSpPr txBox="1"/>
+          <p:nvPr/>
+        </p:nvSpPr>
+        <p:spPr>
+          <a:xfrm>
+            <a:off x="2946815" y="4332250"/>
+            <a:ext cx="7513467" cy="646331"/>
+          </a:xfrm>
+          <a:prstGeom prst="rect">
+            <a:avLst/>
+          </a:prstGeom>
+          <a:noFill/>
+        </p:spPr>
+        <p:txBody>
+          <a:bodyPr wrap="none" rtlCol="0">
+            <a:spAutoFit/>
+          </a:bodyPr>
+          <a:lstStyle/>
+          <a:p>
+            <a:r>
+              <a:rPr lang="de-DE" dirty="0"/>
+              <a:t>Falls die Nutzeranfrage keinem entwickelten UC zugeordnet werden kann, </a:t>
+            </a:r>
+          </a:p>
+          <a:p>
+            <a:r>
+              <a:rPr lang="de-DE" dirty="0"/>
+              <a:t>ist es möglich den Nutzer genau über Einsatzmöglichkeiten zu informieren</a:t>
+            </a:r>
+          </a:p>
+        </p:txBody>
+      </p:sp>
+      <p:sp>
+        <p:nvSpPr>
+          <p:cNvPr id="30" name="Pfeil: nach rechts 29">
+            <a:extLst>
+              <a:ext uri="{FF2B5EF4-FFF2-40B4-BE49-F238E27FC236}">
+                <a16:creationId xmlns:a16="http://schemas.microsoft.com/office/drawing/2014/main" id="{7118F79E-E737-4491-F575-40FDCD515AB3}"/>
+              </a:ext>
+            </a:extLst>
+          </p:cNvPr>
+          <p:cNvSpPr/>
+          <p:nvPr/>
+        </p:nvSpPr>
+        <p:spPr>
+          <a:xfrm>
+            <a:off x="1755782" y="4473636"/>
+            <a:ext cx="969484" cy="363557"/>
+          </a:xfrm>
+          <a:prstGeom prst="rightArrow">
+            <a:avLst/>
+          </a:prstGeom>
+          <a:solidFill>
+            <a:schemeClr val="bg2"/>
+          </a:solidFill>
+          <a:ln w="3175">
+            <a:solidFill>
+              <a:schemeClr val="tx1">
+                <a:lumMod val="85000"/>
+                <a:lumOff val="15000"/>
+              </a:schemeClr>
+            </a:solidFill>
+          </a:ln>
+        </p:spPr>
+        <p:style>
+          <a:lnRef idx="2">
+            <a:schemeClr val="accent1">
+              <a:shade val="15000"/>
+            </a:schemeClr>
+          </a:lnRef>
+          <a:fillRef idx="1">
+            <a:schemeClr val="accent1"/>
+          </a:fillRef>
+          <a:effectRef idx="0">
+            <a:schemeClr val="accent1"/>
+          </a:effectRef>
+          <a:fontRef idx="minor">
+            <a:schemeClr val="lt1"/>
+          </a:fontRef>
+        </p:style>
+        <p:txBody>
+          <a:bodyPr rtlCol="0" anchor="ctr"/>
+          <a:lstStyle/>
+          <a:p>
+            <a:pPr algn="ctr"/>
+            <a:endParaRPr lang="de-DE"/>
+          </a:p>
+        </p:txBody>
+      </p:sp>
+    </p:spTree>
+    <p:extLst>
+      <p:ext uri="{BB962C8B-B14F-4D97-AF65-F5344CB8AC3E}">
+        <p14:creationId xmlns:p14="http://schemas.microsoft.com/office/powerpoint/2010/main" val="1394464965"/>
+      </p:ext>
+    </p:extLst>
+  </p:cSld>
+  <p:clrMapOvr>
+    <a:masterClrMapping/>
+  </p:clrMapOvr>
+</p:sld>
+</file>
+
+<file path=ppt/slides/slide2.xml><?xml version="1.0" encoding="utf-8"?>
+<p:sld xmlns:a="http://schemas.openxmlformats.org/drawingml/2006/main" xmlns:r="http://schemas.openxmlformats.org/officeDocument/2006/relationships" xmlns:p="http://schemas.openxmlformats.org/presentationml/2006/main">
+  <p:cSld>
+    <p:spTree>
+      <p:nvGrpSpPr>
+        <p:cNvPr id="1" name="">
+          <a:extLst>
+            <a:ext uri="{FF2B5EF4-FFF2-40B4-BE49-F238E27FC236}">
+              <a16:creationId xmlns:a16="http://schemas.microsoft.com/office/drawing/2014/main" id="{AC3E8303-FDDC-F398-5A4C-EA383BCB6AF6}"/>
+            </a:ext>
+          </a:extLst>
+        </p:cNvPr>
+        <p:cNvGrpSpPr/>
+        <p:nvPr/>
+      </p:nvGrpSpPr>
+      <p:grpSpPr>
+        <a:xfrm>
+          <a:off x="0" y="0"/>
+          <a:ext cx="0" cy="0"/>
+          <a:chOff x="0" y="0"/>
+          <a:chExt cx="0" cy="0"/>
+        </a:xfrm>
+      </p:grpSpPr>
+      <p:sp>
+        <p:nvSpPr>
+          <p:cNvPr id="22" name="Rechteck 21">
+            <a:extLst>
+              <a:ext uri="{FF2B5EF4-FFF2-40B4-BE49-F238E27FC236}">
+                <a16:creationId xmlns:a16="http://schemas.microsoft.com/office/drawing/2014/main" id="{744A93F8-15F8-8EFB-E957-E809FBCADC4B}"/>
+              </a:ext>
+            </a:extLst>
+          </p:cNvPr>
+          <p:cNvSpPr/>
+          <p:nvPr/>
+        </p:nvSpPr>
+        <p:spPr>
+          <a:xfrm>
+            <a:off x="3787093" y="729868"/>
+            <a:ext cx="4892422" cy="438912"/>
+          </a:xfrm>
+          <a:prstGeom prst="rect">
+            <a:avLst/>
+          </a:prstGeom>
+          <a:solidFill>
+            <a:schemeClr val="bg1"/>
+          </a:solidFill>
+          <a:ln w="3175"/>
+        </p:spPr>
+        <p:style>
+          <a:lnRef idx="2">
+            <a:schemeClr val="accent1">
+              <a:shade val="15000"/>
+            </a:schemeClr>
+          </a:lnRef>
+          <a:fillRef idx="1">
+            <a:schemeClr val="accent1"/>
+          </a:fillRef>
+          <a:effectRef idx="0">
+            <a:schemeClr val="accent1"/>
+          </a:effectRef>
+          <a:fontRef idx="minor">
+            <a:schemeClr val="lt1"/>
+          </a:fontRef>
+        </p:style>
+        <p:txBody>
+          <a:bodyPr rtlCol="0" anchor="ctr"/>
+          <a:lstStyle/>
+          <a:p>
+            <a:pPr algn="ctr"/>
+            <a:r>
+              <a:rPr lang="de-DE" dirty="0">
+                <a:solidFill>
+                  <a:schemeClr val="tx1">
+                    <a:lumMod val="75000"/>
+                    <a:lumOff val="25000"/>
+                  </a:schemeClr>
+                </a:solidFill>
+              </a:rPr>
+              <a:t>Vorteile/Nutzen</a:t>
+            </a:r>
+          </a:p>
+        </p:txBody>
+      </p:sp>
+      <p:sp>
+        <p:nvSpPr>
+          <p:cNvPr id="24" name="Rechteck: abgerundete Ecken 23">
+            <a:extLst>
+              <a:ext uri="{FF2B5EF4-FFF2-40B4-BE49-F238E27FC236}">
+                <a16:creationId xmlns:a16="http://schemas.microsoft.com/office/drawing/2014/main" id="{CD2B96E7-7D0E-B95C-7C34-0513D5E9F739}"/>
+              </a:ext>
+            </a:extLst>
+          </p:cNvPr>
+          <p:cNvSpPr/>
+          <p:nvPr/>
+        </p:nvSpPr>
+        <p:spPr>
+          <a:xfrm>
+            <a:off x="763296" y="2373033"/>
+            <a:ext cx="2104835" cy="603504"/>
+          </a:xfrm>
+          <a:prstGeom prst="roundRect">
+            <a:avLst/>
+          </a:prstGeom>
+          <a:solidFill>
+            <a:schemeClr val="bg1"/>
+          </a:solidFill>
+          <a:ln w="3175"/>
+        </p:spPr>
+        <p:style>
+          <a:lnRef idx="2">
+            <a:schemeClr val="accent1">
+              <a:shade val="15000"/>
+            </a:schemeClr>
+          </a:lnRef>
+          <a:fillRef idx="1">
+            <a:schemeClr val="accent1"/>
+          </a:fillRef>
+          <a:effectRef idx="0">
+            <a:schemeClr val="accent1"/>
+          </a:effectRef>
+          <a:fontRef idx="minor">
+            <a:schemeClr val="lt1"/>
+          </a:fontRef>
+        </p:style>
+        <p:txBody>
+          <a:bodyPr rtlCol="0" anchor="ctr"/>
+          <a:lstStyle/>
+          <a:p>
+            <a:pPr algn="ctr"/>
+            <a:r>
+              <a:rPr lang="de-DE" dirty="0">
+                <a:solidFill>
+                  <a:schemeClr val="tx1">
+                    <a:lumMod val="85000"/>
+                    <a:lumOff val="15000"/>
+                  </a:schemeClr>
+                </a:solidFill>
+              </a:rPr>
+              <a:t>Effektivität</a:t>
+            </a:r>
+          </a:p>
+        </p:txBody>
+      </p:sp>
+      <p:sp>
+        <p:nvSpPr>
+          <p:cNvPr id="25" name="Rechteck: abgerundete Ecken 24">
+            <a:extLst>
+              <a:ext uri="{FF2B5EF4-FFF2-40B4-BE49-F238E27FC236}">
+                <a16:creationId xmlns:a16="http://schemas.microsoft.com/office/drawing/2014/main" id="{F77E0829-4695-19DE-F557-03526566AA46}"/>
+              </a:ext>
+            </a:extLst>
+          </p:cNvPr>
+          <p:cNvSpPr/>
+          <p:nvPr/>
+        </p:nvSpPr>
+        <p:spPr>
+          <a:xfrm>
+            <a:off x="9109613" y="2355406"/>
+            <a:ext cx="2115240" cy="603504"/>
+          </a:xfrm>
+          <a:prstGeom prst="roundRect">
+            <a:avLst/>
+          </a:prstGeom>
+          <a:solidFill>
+            <a:schemeClr val="bg1"/>
+          </a:solidFill>
+          <a:ln w="3175"/>
+        </p:spPr>
+        <p:style>
+          <a:lnRef idx="2">
+            <a:schemeClr val="accent1">
+              <a:shade val="15000"/>
+            </a:schemeClr>
+          </a:lnRef>
+          <a:fillRef idx="1">
+            <a:schemeClr val="accent1"/>
+          </a:fillRef>
+          <a:effectRef idx="0">
+            <a:schemeClr val="accent1"/>
+          </a:effectRef>
+          <a:fontRef idx="minor">
+            <a:schemeClr val="lt1"/>
+          </a:fontRef>
+        </p:style>
+        <p:txBody>
+          <a:bodyPr rtlCol="0" anchor="ctr"/>
+          <a:lstStyle/>
+          <a:p>
+            <a:pPr algn="ctr"/>
+            <a:r>
+              <a:rPr lang="de-DE" dirty="0">
+                <a:solidFill>
+                  <a:schemeClr val="tx1">
+                    <a:lumMod val="85000"/>
+                    <a:lumOff val="15000"/>
+                  </a:schemeClr>
+                </a:solidFill>
+              </a:rPr>
+              <a:t>Transparenz</a:t>
+            </a:r>
+          </a:p>
+        </p:txBody>
+      </p:sp>
+      <p:sp>
+        <p:nvSpPr>
+          <p:cNvPr id="26" name="Rechteck: abgerundete Ecken 25">
+            <a:extLst>
+              <a:ext uri="{FF2B5EF4-FFF2-40B4-BE49-F238E27FC236}">
+                <a16:creationId xmlns:a16="http://schemas.microsoft.com/office/drawing/2014/main" id="{216F0193-E2D7-1858-FA6C-1B3357759B62}"/>
+              </a:ext>
+            </a:extLst>
+          </p:cNvPr>
+          <p:cNvSpPr/>
+          <p:nvPr/>
+        </p:nvSpPr>
+        <p:spPr>
+          <a:xfrm>
+            <a:off x="6004141" y="2373033"/>
+            <a:ext cx="2434019" cy="603504"/>
+          </a:xfrm>
+          <a:prstGeom prst="roundRect">
+            <a:avLst/>
+          </a:prstGeom>
+          <a:solidFill>
+            <a:schemeClr val="bg1"/>
+          </a:solidFill>
+          <a:ln w="3175"/>
+        </p:spPr>
+        <p:style>
+          <a:lnRef idx="2">
+            <a:schemeClr val="accent1">
+              <a:shade val="15000"/>
+            </a:schemeClr>
+          </a:lnRef>
+          <a:fillRef idx="1">
+            <a:schemeClr val="accent1"/>
+          </a:fillRef>
+          <a:effectRef idx="0">
+            <a:schemeClr val="accent1"/>
+          </a:effectRef>
+          <a:fontRef idx="minor">
+            <a:schemeClr val="lt1"/>
+          </a:fontRef>
+        </p:style>
+        <p:txBody>
+          <a:bodyPr rtlCol="0" anchor="ctr"/>
+          <a:lstStyle/>
+          <a:p>
+            <a:pPr algn="ctr"/>
+            <a:r>
+              <a:rPr lang="de-DE" dirty="0">
+                <a:solidFill>
+                  <a:schemeClr val="tx1">
+                    <a:lumMod val="85000"/>
+                    <a:lumOff val="15000"/>
+                  </a:schemeClr>
+                </a:solidFill>
+              </a:rPr>
+              <a:t>Sicherheit</a:t>
+            </a:r>
+          </a:p>
+        </p:txBody>
+      </p:sp>
+      <p:sp>
+        <p:nvSpPr>
+          <p:cNvPr id="27" name="Rechteck: abgerundete Ecken 26">
+            <a:extLst>
+              <a:ext uri="{FF2B5EF4-FFF2-40B4-BE49-F238E27FC236}">
+                <a16:creationId xmlns:a16="http://schemas.microsoft.com/office/drawing/2014/main" id="{F5160E4B-E6F4-ECB1-A5AE-CF2CAD5B73AA}"/>
+              </a:ext>
+            </a:extLst>
+          </p:cNvPr>
+          <p:cNvSpPr/>
+          <p:nvPr/>
+        </p:nvSpPr>
+        <p:spPr>
+          <a:xfrm>
+            <a:off x="3321044" y="2373033"/>
+            <a:ext cx="2104835" cy="603504"/>
+          </a:xfrm>
+          <a:prstGeom prst="roundRect">
+            <a:avLst/>
+          </a:prstGeom>
+          <a:solidFill>
+            <a:schemeClr val="bg1"/>
+          </a:solidFill>
+          <a:ln w="3175"/>
+        </p:spPr>
+        <p:style>
+          <a:lnRef idx="2">
+            <a:schemeClr val="accent1">
+              <a:shade val="15000"/>
+            </a:schemeClr>
+          </a:lnRef>
+          <a:fillRef idx="1">
+            <a:schemeClr val="accent1"/>
+          </a:fillRef>
+          <a:effectRef idx="0">
+            <a:schemeClr val="accent1"/>
+          </a:effectRef>
+          <a:fontRef idx="minor">
+            <a:schemeClr val="lt1"/>
+          </a:fontRef>
+        </p:style>
+        <p:txBody>
+          <a:bodyPr rtlCol="0" anchor="ctr"/>
+          <a:lstStyle/>
+          <a:p>
+            <a:pPr algn="ctr"/>
+            <a:r>
+              <a:rPr lang="de-DE" dirty="0">
+                <a:solidFill>
+                  <a:schemeClr val="tx1">
+                    <a:lumMod val="85000"/>
+                    <a:lumOff val="15000"/>
+                  </a:schemeClr>
+                </a:solidFill>
+              </a:rPr>
+              <a:t>Effizienz</a:t>
+            </a:r>
+          </a:p>
+        </p:txBody>
+      </p:sp>
+      <p:sp>
+        <p:nvSpPr>
+          <p:cNvPr id="2" name="Rechteck 1">
+            <a:extLst>
+              <a:ext uri="{FF2B5EF4-FFF2-40B4-BE49-F238E27FC236}">
+                <a16:creationId xmlns:a16="http://schemas.microsoft.com/office/drawing/2014/main" id="{26F519AB-1957-9863-2C01-AA662845A29E}"/>
+              </a:ext>
+            </a:extLst>
+          </p:cNvPr>
+          <p:cNvSpPr/>
+          <p:nvPr/>
+        </p:nvSpPr>
+        <p:spPr>
+          <a:xfrm>
+            <a:off x="3310640" y="3294044"/>
+            <a:ext cx="2115239" cy="2082188"/>
+          </a:xfrm>
+          <a:prstGeom prst="rect">
+            <a:avLst/>
+          </a:prstGeom>
+          <a:solidFill>
+            <a:schemeClr val="bg1"/>
+          </a:solidFill>
+          <a:ln w="3175"/>
+        </p:spPr>
+        <p:style>
+          <a:lnRef idx="2">
+            <a:schemeClr val="accent1">
+              <a:shade val="15000"/>
+            </a:schemeClr>
+          </a:lnRef>
+          <a:fillRef idx="1">
+            <a:schemeClr val="accent1"/>
+          </a:fillRef>
+          <a:effectRef idx="0">
+            <a:schemeClr val="accent1"/>
+          </a:effectRef>
+          <a:fontRef idx="minor">
+            <a:schemeClr val="lt1"/>
+          </a:fontRef>
+        </p:style>
+        <p:txBody>
+          <a:bodyPr rtlCol="0" anchor="ctr"/>
+          <a:lstStyle/>
+          <a:p>
+            <a:r>
+              <a:rPr lang="de-DE" dirty="0">
+                <a:solidFill>
+                  <a:schemeClr val="tx1">
+                    <a:lumMod val="85000"/>
+                    <a:lumOff val="15000"/>
+                  </a:schemeClr>
+                </a:solidFill>
+              </a:rPr>
+              <a:t>Bei einfachen UC können </a:t>
+            </a:r>
+            <a:r>
+              <a:rPr lang="de-DE" b="1" dirty="0">
+                <a:solidFill>
+                  <a:schemeClr val="tx1">
+                    <a:lumMod val="85000"/>
+                    <a:lumOff val="15000"/>
+                  </a:schemeClr>
+                </a:solidFill>
+              </a:rPr>
+              <a:t>einfache Modelle </a:t>
+            </a:r>
+            <a:r>
+              <a:rPr lang="de-DE" dirty="0">
+                <a:solidFill>
+                  <a:schemeClr val="tx1">
+                    <a:lumMod val="85000"/>
+                    <a:lumOff val="15000"/>
+                  </a:schemeClr>
+                </a:solidFill>
+              </a:rPr>
+              <a:t>und Methoden verwendet werden, </a:t>
+            </a:r>
+            <a:r>
+              <a:rPr lang="de-DE" b="1" dirty="0">
+                <a:solidFill>
+                  <a:schemeClr val="tx1">
+                    <a:lumMod val="85000"/>
+                    <a:lumOff val="15000"/>
+                  </a:schemeClr>
+                </a:solidFill>
+              </a:rPr>
+              <a:t>um Ressourcen zu sparen</a:t>
+            </a:r>
+          </a:p>
+        </p:txBody>
+      </p:sp>
+      <p:sp>
+        <p:nvSpPr>
+          <p:cNvPr id="4" name="Rechteck 3">
+            <a:extLst>
+              <a:ext uri="{FF2B5EF4-FFF2-40B4-BE49-F238E27FC236}">
+                <a16:creationId xmlns:a16="http://schemas.microsoft.com/office/drawing/2014/main" id="{3781FB48-EAAF-C749-4AC8-72AF777695B5}"/>
+              </a:ext>
+            </a:extLst>
+          </p:cNvPr>
+          <p:cNvSpPr/>
+          <p:nvPr/>
+        </p:nvSpPr>
+        <p:spPr>
+          <a:xfrm>
+            <a:off x="752892" y="3272011"/>
+            <a:ext cx="2115239" cy="2082188"/>
+          </a:xfrm>
+          <a:prstGeom prst="rect">
+            <a:avLst/>
+          </a:prstGeom>
+          <a:solidFill>
+            <a:schemeClr val="bg1"/>
+          </a:solidFill>
+          <a:ln w="3175"/>
+        </p:spPr>
+        <p:style>
+          <a:lnRef idx="2">
+            <a:schemeClr val="accent1">
+              <a:shade val="15000"/>
+            </a:schemeClr>
+          </a:lnRef>
+          <a:fillRef idx="1">
+            <a:schemeClr val="accent1"/>
+          </a:fillRef>
+          <a:effectRef idx="0">
+            <a:schemeClr val="accent1"/>
+          </a:effectRef>
+          <a:fontRef idx="minor">
+            <a:schemeClr val="lt1"/>
+          </a:fontRef>
+        </p:style>
+        <p:txBody>
+          <a:bodyPr rtlCol="0" anchor="ctr"/>
+          <a:lstStyle/>
+          <a:p>
+            <a:r>
+              <a:rPr lang="de-DE" dirty="0">
+                <a:solidFill>
+                  <a:schemeClr val="tx1">
+                    <a:lumMod val="85000"/>
+                    <a:lumOff val="15000"/>
+                  </a:schemeClr>
+                </a:solidFill>
+              </a:rPr>
+              <a:t>Es können </a:t>
+            </a:r>
+            <a:r>
+              <a:rPr lang="de-DE" b="1" dirty="0">
+                <a:solidFill>
+                  <a:schemeClr val="tx1">
+                    <a:lumMod val="85000"/>
+                    <a:lumOff val="15000"/>
+                  </a:schemeClr>
+                </a:solidFill>
+              </a:rPr>
+              <a:t>Expertenmodelle</a:t>
+            </a:r>
+            <a:r>
+              <a:rPr lang="de-DE" dirty="0">
+                <a:solidFill>
+                  <a:schemeClr val="tx1">
+                    <a:lumMod val="85000"/>
+                    <a:lumOff val="15000"/>
+                  </a:schemeClr>
+                </a:solidFill>
+              </a:rPr>
+              <a:t> entwickelt werden, die für spezielle Use Cases </a:t>
+            </a:r>
+            <a:r>
+              <a:rPr lang="de-DE" b="1" dirty="0">
+                <a:solidFill>
+                  <a:schemeClr val="tx1">
+                    <a:lumMod val="85000"/>
+                    <a:lumOff val="15000"/>
+                  </a:schemeClr>
+                </a:solidFill>
+              </a:rPr>
+              <a:t>optimiert</a:t>
+            </a:r>
+            <a:r>
+              <a:rPr lang="de-DE" dirty="0">
+                <a:solidFill>
+                  <a:schemeClr val="tx1">
+                    <a:lumMod val="85000"/>
+                    <a:lumOff val="15000"/>
+                  </a:schemeClr>
+                </a:solidFill>
+              </a:rPr>
+              <a:t> sind</a:t>
+            </a:r>
+          </a:p>
+          <a:p>
+            <a:r>
+              <a:rPr lang="de-DE" dirty="0">
+                <a:solidFill>
+                  <a:schemeClr val="tx1">
+                    <a:lumMod val="85000"/>
+                    <a:lumOff val="15000"/>
+                  </a:schemeClr>
+                </a:solidFill>
+              </a:rPr>
+              <a:t>Sicherheit</a:t>
+            </a:r>
+          </a:p>
+        </p:txBody>
+      </p:sp>
+      <p:sp>
+        <p:nvSpPr>
+          <p:cNvPr id="5" name="Rechteck 4">
+            <a:extLst>
+              <a:ext uri="{FF2B5EF4-FFF2-40B4-BE49-F238E27FC236}">
+                <a16:creationId xmlns:a16="http://schemas.microsoft.com/office/drawing/2014/main" id="{EFE62D52-2182-70AD-69E6-923E114AA849}"/>
+              </a:ext>
+            </a:extLst>
+          </p:cNvPr>
+          <p:cNvSpPr/>
+          <p:nvPr/>
+        </p:nvSpPr>
+        <p:spPr>
+          <a:xfrm>
+            <a:off x="6233304" y="3294044"/>
+            <a:ext cx="2115239" cy="2082188"/>
+          </a:xfrm>
+          <a:prstGeom prst="rect">
+            <a:avLst/>
+          </a:prstGeom>
+          <a:solidFill>
+            <a:schemeClr val="bg1"/>
+          </a:solidFill>
+          <a:ln w="3175"/>
+        </p:spPr>
+        <p:style>
+          <a:lnRef idx="2">
+            <a:schemeClr val="accent1">
+              <a:shade val="15000"/>
+            </a:schemeClr>
+          </a:lnRef>
+          <a:fillRef idx="1">
+            <a:schemeClr val="accent1"/>
+          </a:fillRef>
+          <a:effectRef idx="0">
+            <a:schemeClr val="accent1"/>
+          </a:effectRef>
+          <a:fontRef idx="minor">
+            <a:schemeClr val="lt1"/>
+          </a:fontRef>
+        </p:style>
+        <p:txBody>
+          <a:bodyPr rtlCol="0" anchor="ctr"/>
+          <a:lstStyle/>
+          <a:p>
+            <a:r>
+              <a:rPr lang="de-DE" dirty="0">
+                <a:solidFill>
+                  <a:schemeClr val="tx1">
+                    <a:lumMod val="85000"/>
+                    <a:lumOff val="15000"/>
+                  </a:schemeClr>
+                </a:solidFill>
+              </a:rPr>
+              <a:t>Schutz vor Missbrauch durch den Anwender</a:t>
+            </a:r>
+          </a:p>
+          <a:p>
+            <a:r>
+              <a:rPr lang="de-DE" dirty="0">
+                <a:solidFill>
+                  <a:schemeClr val="tx1">
+                    <a:lumMod val="85000"/>
+                    <a:lumOff val="15000"/>
+                  </a:schemeClr>
+                </a:solidFill>
+              </a:rPr>
+              <a:t>(z.B. Nutzung als Programmierhilfe)</a:t>
+            </a:r>
+          </a:p>
+        </p:txBody>
+      </p:sp>
+      <p:sp>
+        <p:nvSpPr>
+          <p:cNvPr id="6" name="Rechteck 5">
+            <a:extLst>
+              <a:ext uri="{FF2B5EF4-FFF2-40B4-BE49-F238E27FC236}">
+                <a16:creationId xmlns:a16="http://schemas.microsoft.com/office/drawing/2014/main" id="{F1288826-7528-14E8-2147-A8B8F4DCE9CA}"/>
+              </a:ext>
+            </a:extLst>
+          </p:cNvPr>
+          <p:cNvSpPr/>
+          <p:nvPr/>
+        </p:nvSpPr>
+        <p:spPr>
+          <a:xfrm>
+            <a:off x="9109614" y="3294044"/>
+            <a:ext cx="2115239" cy="2082188"/>
+          </a:xfrm>
+          <a:prstGeom prst="rect">
+            <a:avLst/>
+          </a:prstGeom>
+          <a:solidFill>
+            <a:schemeClr val="bg1"/>
+          </a:solidFill>
+          <a:ln w="3175"/>
+        </p:spPr>
+        <p:style>
+          <a:lnRef idx="2">
+            <a:schemeClr val="accent1">
+              <a:shade val="15000"/>
+            </a:schemeClr>
+          </a:lnRef>
+          <a:fillRef idx="1">
+            <a:schemeClr val="accent1"/>
+          </a:fillRef>
+          <a:effectRef idx="0">
+            <a:schemeClr val="accent1"/>
+          </a:effectRef>
+          <a:fontRef idx="minor">
+            <a:schemeClr val="lt1"/>
+          </a:fontRef>
+        </p:style>
+        <p:txBody>
+          <a:bodyPr rtlCol="0" anchor="ctr"/>
+          <a:lstStyle/>
+          <a:p>
+            <a:r>
+              <a:rPr lang="de-DE" dirty="0">
+                <a:solidFill>
+                  <a:schemeClr val="tx1">
+                    <a:lumMod val="85000"/>
+                    <a:lumOff val="15000"/>
+                  </a:schemeClr>
+                </a:solidFill>
+              </a:rPr>
+              <a:t>Nutzer weiß genau, wobei der Chatbot helfen kann</a:t>
+            </a:r>
+          </a:p>
+        </p:txBody>
+      </p:sp>
+    </p:spTree>
+    <p:extLst>
+      <p:ext uri="{BB962C8B-B14F-4D97-AF65-F5344CB8AC3E}">
+        <p14:creationId xmlns:p14="http://schemas.microsoft.com/office/powerpoint/2010/main" val="3336704256"/>
+      </p:ext>
+    </p:extLst>
+  </p:cSld>
+  <p:clrMapOvr>
+    <a:masterClrMapping/>
+  </p:clrMapOvr>
+</p:sld>
+</file>
+
+<file path=ppt/slides/slide3.xml><?xml version="1.0" encoding="utf-8"?>
+<p:sld xmlns:a="http://schemas.openxmlformats.org/drawingml/2006/main" xmlns:r="http://schemas.openxmlformats.org/officeDocument/2006/relationships" xmlns:p="http://schemas.openxmlformats.org/presentationml/2006/main">
+  <p:cSld>
+    <p:spTree>
+      <p:nvGrpSpPr>
+        <p:cNvPr id="1" name="">
+          <a:extLst>
+            <a:ext uri="{FF2B5EF4-FFF2-40B4-BE49-F238E27FC236}">
+              <a16:creationId xmlns:a16="http://schemas.microsoft.com/office/drawing/2014/main" id="{507D1632-9691-2E2E-6A90-BD112FB87113}"/>
+            </a:ext>
+          </a:extLst>
+        </p:cNvPr>
+        <p:cNvGrpSpPr/>
+        <p:nvPr/>
+      </p:nvGrpSpPr>
+      <p:grpSpPr>
+        <a:xfrm>
+          <a:off x="0" y="0"/>
+          <a:ext cx="0" cy="0"/>
+          <a:chOff x="0" y="0"/>
+          <a:chExt cx="0" cy="0"/>
+        </a:xfrm>
+      </p:grpSpPr>
+      <p:sp>
+        <p:nvSpPr>
           <p:cNvPr id="4" name="Ellipse 3">
             <a:extLst>
               <a:ext uri="{FF2B5EF4-FFF2-40B4-BE49-F238E27FC236}">
-                <a16:creationId xmlns:a16="http://schemas.microsoft.com/office/drawing/2014/main" id="{4D1E40A3-1802-5DCA-E42B-34DC9EC5BC11}"/>
+                <a16:creationId xmlns:a16="http://schemas.microsoft.com/office/drawing/2014/main" id="{22801C7B-C37C-AEC5-5BB2-3F25C9EFE22A}"/>
+              </a:ext>
+            </a:extLst>
+          </p:cNvPr>
+          <p:cNvSpPr/>
+          <p:nvPr/>
+        </p:nvSpPr>
+        <p:spPr>
+          <a:xfrm>
+            <a:off x="486536" y="417449"/>
+            <a:ext cx="4066413" cy="1064895"/>
+          </a:xfrm>
+          <a:prstGeom prst="ellipse">
+            <a:avLst/>
+          </a:prstGeom>
+          <a:solidFill>
+            <a:schemeClr val="bg2"/>
+          </a:solidFill>
+          <a:ln w="3175">
+            <a:solidFill>
+              <a:schemeClr val="tx1">
+                <a:lumMod val="50000"/>
+                <a:lumOff val="50000"/>
+              </a:schemeClr>
+            </a:solidFill>
+          </a:ln>
+        </p:spPr>
+        <p:style>
+          <a:lnRef idx="2">
+            <a:schemeClr val="accent1">
+              <a:shade val="15000"/>
+            </a:schemeClr>
+          </a:lnRef>
+          <a:fillRef idx="1">
+            <a:schemeClr val="accent1"/>
+          </a:fillRef>
+          <a:effectRef idx="0">
+            <a:schemeClr val="accent1"/>
+          </a:effectRef>
+          <a:fontRef idx="minor">
+            <a:schemeClr val="lt1"/>
+          </a:fontRef>
+        </p:style>
+        <p:txBody>
+          <a:bodyPr rtlCol="0" anchor="ctr"/>
+          <a:lstStyle/>
+          <a:p>
+            <a:pPr algn="ctr"/>
+            <a:r>
+              <a:rPr lang="de-DE" sz="2000" dirty="0">
+                <a:solidFill>
+                  <a:schemeClr val="tx1">
+                    <a:lumMod val="75000"/>
+                    <a:lumOff val="25000"/>
+                  </a:schemeClr>
+                </a:solidFill>
+              </a:rPr>
+              <a:t>Anfrage</a:t>
+            </a:r>
+          </a:p>
+          <a:p>
+            <a:pPr algn="ctr"/>
+            <a:r>
+              <a:rPr lang="de-DE" sz="1600" dirty="0">
+                <a:solidFill>
+                  <a:schemeClr val="tx1">
+                    <a:lumMod val="75000"/>
+                    <a:lumOff val="25000"/>
+                  </a:schemeClr>
+                </a:solidFill>
+              </a:rPr>
+              <a:t>„Wann kommt der nächste Bus in die Innenstadt?“</a:t>
+            </a:r>
+          </a:p>
+        </p:txBody>
+      </p:sp>
+      <p:sp>
+        <p:nvSpPr>
+          <p:cNvPr id="5" name="Rechteck 4">
+            <a:extLst>
+              <a:ext uri="{FF2B5EF4-FFF2-40B4-BE49-F238E27FC236}">
+                <a16:creationId xmlns:a16="http://schemas.microsoft.com/office/drawing/2014/main" id="{7BE9AE82-0CDA-59BC-4AC3-4C6510934829}"/>
+              </a:ext>
+            </a:extLst>
+          </p:cNvPr>
+          <p:cNvSpPr/>
+          <p:nvPr/>
+        </p:nvSpPr>
+        <p:spPr>
+          <a:xfrm>
+            <a:off x="6456806" y="343915"/>
+            <a:ext cx="4779645" cy="1211962"/>
+          </a:xfrm>
+          <a:prstGeom prst="rect">
+            <a:avLst/>
+          </a:prstGeom>
+          <a:solidFill>
+            <a:schemeClr val="bg1"/>
+          </a:solidFill>
+          <a:ln w="3175">
+            <a:solidFill>
+              <a:schemeClr val="tx1">
+                <a:lumMod val="85000"/>
+                <a:lumOff val="15000"/>
+              </a:schemeClr>
+            </a:solidFill>
+          </a:ln>
+        </p:spPr>
+        <p:style>
+          <a:lnRef idx="2">
+            <a:schemeClr val="accent1">
+              <a:shade val="15000"/>
+            </a:schemeClr>
+          </a:lnRef>
+          <a:fillRef idx="1">
+            <a:schemeClr val="accent1"/>
+          </a:fillRef>
+          <a:effectRef idx="0">
+            <a:schemeClr val="accent1"/>
+          </a:effectRef>
+          <a:fontRef idx="minor">
+            <a:schemeClr val="lt1"/>
+          </a:fontRef>
+        </p:style>
+        <p:txBody>
+          <a:bodyPr rtlCol="0" anchor="ctr"/>
+          <a:lstStyle/>
+          <a:p>
+            <a:pPr algn="ctr"/>
+            <a:r>
+              <a:rPr lang="de-DE" sz="2000" dirty="0">
+                <a:solidFill>
+                  <a:schemeClr val="tx1">
+                    <a:lumMod val="75000"/>
+                    <a:lumOff val="25000"/>
+                  </a:schemeClr>
+                </a:solidFill>
+              </a:rPr>
+              <a:t>Extraktion von Parametern</a:t>
+            </a:r>
+          </a:p>
+          <a:p>
+            <a:pPr marL="285750" indent="-285750">
+              <a:buFont typeface="Arial" panose="020B0604020202020204" pitchFamily="34" charset="0"/>
+              <a:buChar char="•"/>
+            </a:pPr>
+            <a:r>
+              <a:rPr lang="de-DE" sz="1600" dirty="0">
+                <a:solidFill>
+                  <a:schemeClr val="tx1">
+                    <a:lumMod val="75000"/>
+                    <a:lumOff val="25000"/>
+                  </a:schemeClr>
+                </a:solidFill>
+              </a:rPr>
+              <a:t>Start</a:t>
+            </a:r>
+          </a:p>
+          <a:p>
+            <a:pPr marL="285750" indent="-285750">
+              <a:buFont typeface="Arial" panose="020B0604020202020204" pitchFamily="34" charset="0"/>
+              <a:buChar char="•"/>
+            </a:pPr>
+            <a:r>
+              <a:rPr lang="de-DE" sz="1600" dirty="0">
+                <a:solidFill>
+                  <a:schemeClr val="tx1">
+                    <a:lumMod val="75000"/>
+                    <a:lumOff val="25000"/>
+                  </a:schemeClr>
+                </a:solidFill>
+              </a:rPr>
+              <a:t>Ziel</a:t>
+            </a:r>
+          </a:p>
+          <a:p>
+            <a:pPr marL="285750" indent="-285750">
+              <a:buFont typeface="Arial" panose="020B0604020202020204" pitchFamily="34" charset="0"/>
+              <a:buChar char="•"/>
+            </a:pPr>
+            <a:r>
+              <a:rPr lang="de-DE" sz="1600" dirty="0">
+                <a:solidFill>
+                  <a:schemeClr val="tx1">
+                    <a:lumMod val="75000"/>
+                    <a:lumOff val="25000"/>
+                  </a:schemeClr>
+                </a:solidFill>
+              </a:rPr>
+              <a:t>…</a:t>
+            </a:r>
+          </a:p>
+        </p:txBody>
+      </p:sp>
+      <p:sp>
+        <p:nvSpPr>
+          <p:cNvPr id="6" name="Rechteck 5">
+            <a:extLst>
+              <a:ext uri="{FF2B5EF4-FFF2-40B4-BE49-F238E27FC236}">
+                <a16:creationId xmlns:a16="http://schemas.microsoft.com/office/drawing/2014/main" id="{26D0D402-88C4-7FA7-B575-0C7531732FA7}"/>
+              </a:ext>
+            </a:extLst>
+          </p:cNvPr>
+          <p:cNvSpPr/>
+          <p:nvPr/>
+        </p:nvSpPr>
+        <p:spPr>
+          <a:xfrm>
+            <a:off x="486536" y="2292163"/>
+            <a:ext cx="4892422" cy="1072698"/>
+          </a:xfrm>
+          <a:prstGeom prst="rect">
+            <a:avLst/>
+          </a:prstGeom>
+          <a:solidFill>
+            <a:schemeClr val="bg1"/>
+          </a:solidFill>
+          <a:ln w="3175"/>
+        </p:spPr>
+        <p:style>
+          <a:lnRef idx="2">
+            <a:schemeClr val="accent1">
+              <a:shade val="15000"/>
+            </a:schemeClr>
+          </a:lnRef>
+          <a:fillRef idx="1">
+            <a:schemeClr val="accent1"/>
+          </a:fillRef>
+          <a:effectRef idx="0">
+            <a:schemeClr val="accent1"/>
+          </a:effectRef>
+          <a:fontRef idx="minor">
+            <a:schemeClr val="lt1"/>
+          </a:fontRef>
+        </p:style>
+        <p:txBody>
+          <a:bodyPr rtlCol="0" anchor="ctr"/>
+          <a:lstStyle/>
+          <a:p>
+            <a:pPr algn="ctr"/>
+            <a:r>
+              <a:rPr lang="de-DE" sz="2000" dirty="0">
+                <a:solidFill>
+                  <a:schemeClr val="tx1">
+                    <a:lumMod val="75000"/>
+                    <a:lumOff val="25000"/>
+                  </a:schemeClr>
+                </a:solidFill>
+              </a:rPr>
+              <a:t>Embedding-Suche</a:t>
+            </a:r>
+          </a:p>
+          <a:p>
+            <a:pPr algn="ctr"/>
+            <a:r>
+              <a:rPr lang="de-DE" sz="1600" dirty="0">
+                <a:solidFill>
+                  <a:schemeClr val="tx1">
+                    <a:lumMod val="75000"/>
+                    <a:lumOff val="25000"/>
+                  </a:schemeClr>
+                </a:solidFill>
+              </a:rPr>
+              <a:t>Falls Start/Ziel nicht mit einfacher Suche auffindbar</a:t>
+            </a:r>
+          </a:p>
+        </p:txBody>
+      </p:sp>
+      <p:sp>
+        <p:nvSpPr>
+          <p:cNvPr id="7" name="Rechteck 6">
+            <a:extLst>
+              <a:ext uri="{FF2B5EF4-FFF2-40B4-BE49-F238E27FC236}">
+                <a16:creationId xmlns:a16="http://schemas.microsoft.com/office/drawing/2014/main" id="{D5995BEF-46E9-4A6E-E527-21BCC35593B9}"/>
+              </a:ext>
+            </a:extLst>
+          </p:cNvPr>
+          <p:cNvSpPr/>
+          <p:nvPr/>
+        </p:nvSpPr>
+        <p:spPr>
+          <a:xfrm>
+            <a:off x="492887" y="3977308"/>
+            <a:ext cx="4892422" cy="965694"/>
+          </a:xfrm>
+          <a:prstGeom prst="rect">
+            <a:avLst/>
+          </a:prstGeom>
+          <a:solidFill>
+            <a:schemeClr val="bg1"/>
+          </a:solidFill>
+          <a:ln w="3175">
+            <a:solidFill>
+              <a:schemeClr val="tx1">
+                <a:lumMod val="85000"/>
+                <a:lumOff val="15000"/>
+              </a:schemeClr>
+            </a:solidFill>
+          </a:ln>
+        </p:spPr>
+        <p:style>
+          <a:lnRef idx="2">
+            <a:schemeClr val="accent1">
+              <a:shade val="15000"/>
+            </a:schemeClr>
+          </a:lnRef>
+          <a:fillRef idx="1">
+            <a:schemeClr val="accent1"/>
+          </a:fillRef>
+          <a:effectRef idx="0">
+            <a:schemeClr val="accent1"/>
+          </a:effectRef>
+          <a:fontRef idx="minor">
+            <a:schemeClr val="lt1"/>
+          </a:fontRef>
+        </p:style>
+        <p:txBody>
+          <a:bodyPr rtlCol="0" anchor="ctr"/>
+          <a:lstStyle/>
+          <a:p>
+            <a:pPr algn="ctr"/>
+            <a:r>
+              <a:rPr lang="de-DE" sz="2000" dirty="0">
+                <a:solidFill>
+                  <a:schemeClr val="tx1">
+                    <a:lumMod val="75000"/>
+                    <a:lumOff val="25000"/>
+                  </a:schemeClr>
+                </a:solidFill>
+              </a:rPr>
+              <a:t>Query an </a:t>
+            </a:r>
+            <a:r>
+              <a:rPr lang="de-DE" sz="2000" dirty="0" err="1">
+                <a:solidFill>
+                  <a:schemeClr val="tx1">
+                    <a:lumMod val="75000"/>
+                    <a:lumOff val="25000"/>
+                  </a:schemeClr>
+                </a:solidFill>
+              </a:rPr>
+              <a:t>Geofox</a:t>
+            </a:r>
+            <a:r>
+              <a:rPr lang="de-DE" sz="2000" dirty="0">
+                <a:solidFill>
+                  <a:schemeClr val="tx1">
+                    <a:lumMod val="75000"/>
+                    <a:lumOff val="25000"/>
+                  </a:schemeClr>
+                </a:solidFill>
+              </a:rPr>
+              <a:t> API</a:t>
+            </a:r>
+          </a:p>
+        </p:txBody>
+      </p:sp>
+      <p:sp>
+        <p:nvSpPr>
+          <p:cNvPr id="10" name="Rechteck 9">
+            <a:extLst>
+              <a:ext uri="{FF2B5EF4-FFF2-40B4-BE49-F238E27FC236}">
+                <a16:creationId xmlns:a16="http://schemas.microsoft.com/office/drawing/2014/main" id="{3A35D11D-6987-6B26-266B-F13725B643F2}"/>
+              </a:ext>
+            </a:extLst>
+          </p:cNvPr>
+          <p:cNvSpPr/>
+          <p:nvPr/>
+        </p:nvSpPr>
+        <p:spPr>
+          <a:xfrm>
+            <a:off x="492886" y="5796071"/>
+            <a:ext cx="4892422" cy="630466"/>
+          </a:xfrm>
+          <a:prstGeom prst="rect">
+            <a:avLst/>
+          </a:prstGeom>
+          <a:solidFill>
+            <a:schemeClr val="bg1"/>
+          </a:solidFill>
+          <a:ln w="3175">
+            <a:solidFill>
+              <a:schemeClr val="tx1">
+                <a:lumMod val="85000"/>
+                <a:lumOff val="15000"/>
+              </a:schemeClr>
+            </a:solidFill>
+          </a:ln>
+        </p:spPr>
+        <p:style>
+          <a:lnRef idx="2">
+            <a:schemeClr val="accent1">
+              <a:shade val="15000"/>
+            </a:schemeClr>
+          </a:lnRef>
+          <a:fillRef idx="1">
+            <a:schemeClr val="accent1"/>
+          </a:fillRef>
+          <a:effectRef idx="0">
+            <a:schemeClr val="accent1"/>
+          </a:effectRef>
+          <a:fontRef idx="minor">
+            <a:schemeClr val="lt1"/>
+          </a:fontRef>
+        </p:style>
+        <p:txBody>
+          <a:bodyPr rtlCol="0" anchor="ctr"/>
+          <a:lstStyle/>
+          <a:p>
+            <a:pPr algn="ctr"/>
+            <a:r>
+              <a:rPr lang="de-DE" sz="2000" dirty="0">
+                <a:solidFill>
+                  <a:schemeClr val="tx1">
+                    <a:lumMod val="75000"/>
+                    <a:lumOff val="25000"/>
+                  </a:schemeClr>
+                </a:solidFill>
+              </a:rPr>
+              <a:t>LLM generiert Antwort an Nutzer</a:t>
+            </a:r>
+          </a:p>
+        </p:txBody>
+      </p:sp>
+      <p:cxnSp>
+        <p:nvCxnSpPr>
+          <p:cNvPr id="14" name="Verbinder: gewinkelt 13">
+            <a:extLst>
+              <a:ext uri="{FF2B5EF4-FFF2-40B4-BE49-F238E27FC236}">
+                <a16:creationId xmlns:a16="http://schemas.microsoft.com/office/drawing/2014/main" id="{34B4C706-D4B9-7F03-3697-C45B74E24469}"/>
+              </a:ext>
+            </a:extLst>
+          </p:cNvPr>
+          <p:cNvCxnSpPr>
+            <a:cxnSpLocks/>
+            <a:stCxn id="4" idx="6"/>
+            <a:endCxn id="5" idx="1"/>
+          </p:cNvCxnSpPr>
+          <p:nvPr/>
+        </p:nvCxnSpPr>
+        <p:spPr>
+          <a:xfrm flipV="1">
+            <a:off x="4552949" y="949896"/>
+            <a:ext cx="1903857" cy="1"/>
+          </a:xfrm>
+          <a:prstGeom prst="bentConnector3">
+            <a:avLst/>
+          </a:prstGeom>
+          <a:ln>
+            <a:tailEnd type="triangle"/>
+          </a:ln>
+        </p:spPr>
+        <p:style>
+          <a:lnRef idx="2">
+            <a:schemeClr val="dk1"/>
+          </a:lnRef>
+          <a:fillRef idx="0">
+            <a:schemeClr val="dk1"/>
+          </a:fillRef>
+          <a:effectRef idx="1">
+            <a:schemeClr val="dk1"/>
+          </a:effectRef>
+          <a:fontRef idx="minor">
+            <a:schemeClr val="tx1"/>
+          </a:fontRef>
+        </p:style>
+      </p:cxnSp>
+      <p:sp>
+        <p:nvSpPr>
+          <p:cNvPr id="23" name="Rechteck 22">
+            <a:extLst>
+              <a:ext uri="{FF2B5EF4-FFF2-40B4-BE49-F238E27FC236}">
+                <a16:creationId xmlns:a16="http://schemas.microsoft.com/office/drawing/2014/main" id="{0532D7A7-CC1F-F6D2-22FF-2C69A0E75757}"/>
+              </a:ext>
+            </a:extLst>
+          </p:cNvPr>
+          <p:cNvSpPr/>
+          <p:nvPr/>
+        </p:nvSpPr>
+        <p:spPr>
+          <a:xfrm>
+            <a:off x="6625708" y="5796071"/>
+            <a:ext cx="4779646" cy="630466"/>
+          </a:xfrm>
+          <a:prstGeom prst="rect">
+            <a:avLst/>
+          </a:prstGeom>
+          <a:solidFill>
+            <a:schemeClr val="bg1"/>
+          </a:solidFill>
+          <a:ln w="3175">
+            <a:solidFill>
+              <a:schemeClr val="tx1">
+                <a:lumMod val="85000"/>
+                <a:lumOff val="15000"/>
+              </a:schemeClr>
+            </a:solidFill>
+          </a:ln>
+        </p:spPr>
+        <p:style>
+          <a:lnRef idx="2">
+            <a:schemeClr val="accent1">
+              <a:shade val="15000"/>
+            </a:schemeClr>
+          </a:lnRef>
+          <a:fillRef idx="1">
+            <a:schemeClr val="accent1"/>
+          </a:fillRef>
+          <a:effectRef idx="0">
+            <a:schemeClr val="accent1"/>
+          </a:effectRef>
+          <a:fontRef idx="minor">
+            <a:schemeClr val="lt1"/>
+          </a:fontRef>
+        </p:style>
+        <p:txBody>
+          <a:bodyPr rtlCol="0" anchor="ctr"/>
+          <a:lstStyle/>
+          <a:p>
+            <a:pPr algn="ctr"/>
+            <a:r>
+              <a:rPr lang="de-DE" sz="2000" dirty="0">
+                <a:solidFill>
+                  <a:schemeClr val="tx1">
+                    <a:lumMod val="75000"/>
+                    <a:lumOff val="25000"/>
+                  </a:schemeClr>
+                </a:solidFill>
+              </a:rPr>
+              <a:t>LLM generiert Rückfrage an Nutzer</a:t>
+            </a:r>
+          </a:p>
+        </p:txBody>
+      </p:sp>
+      <p:sp>
+        <p:nvSpPr>
+          <p:cNvPr id="25" name="Gleichschenkliges Dreieck 24">
+            <a:extLst>
+              <a:ext uri="{FF2B5EF4-FFF2-40B4-BE49-F238E27FC236}">
+                <a16:creationId xmlns:a16="http://schemas.microsoft.com/office/drawing/2014/main" id="{63E64641-0257-28E0-C230-C8A06293EEE0}"/>
+              </a:ext>
+            </a:extLst>
+          </p:cNvPr>
+          <p:cNvSpPr/>
+          <p:nvPr/>
+        </p:nvSpPr>
+        <p:spPr>
+          <a:xfrm>
+            <a:off x="7866109" y="4583288"/>
+            <a:ext cx="2497090" cy="851053"/>
+          </a:xfrm>
+          <a:prstGeom prst="triangle">
+            <a:avLst/>
+          </a:prstGeom>
+          <a:solidFill>
+            <a:schemeClr val="bg1"/>
+          </a:solidFill>
+          <a:ln w="3175"/>
+        </p:spPr>
+        <p:style>
+          <a:lnRef idx="2">
+            <a:schemeClr val="accent1">
+              <a:shade val="15000"/>
+            </a:schemeClr>
+          </a:lnRef>
+          <a:fillRef idx="1">
+            <a:schemeClr val="accent1"/>
+          </a:fillRef>
+          <a:effectRef idx="0">
+            <a:schemeClr val="accent1"/>
+          </a:effectRef>
+          <a:fontRef idx="minor">
+            <a:schemeClr val="lt1"/>
+          </a:fontRef>
+        </p:style>
+        <p:txBody>
+          <a:bodyPr rtlCol="0" anchor="ctr"/>
+          <a:lstStyle/>
+          <a:p>
+            <a:pPr algn="ctr"/>
+            <a:r>
+              <a:rPr lang="de-DE" sz="2000" dirty="0">
+                <a:solidFill>
+                  <a:schemeClr val="tx1">
+                    <a:lumMod val="85000"/>
+                    <a:lumOff val="15000"/>
+                  </a:schemeClr>
+                </a:solidFill>
+              </a:rPr>
+              <a:t>Probleme</a:t>
+            </a:r>
+          </a:p>
+        </p:txBody>
+      </p:sp>
+      <p:cxnSp>
+        <p:nvCxnSpPr>
+          <p:cNvPr id="26" name="Verbinder: gewinkelt 25">
+            <a:extLst>
+              <a:ext uri="{FF2B5EF4-FFF2-40B4-BE49-F238E27FC236}">
+                <a16:creationId xmlns:a16="http://schemas.microsoft.com/office/drawing/2014/main" id="{D0B41C70-1A60-EC44-64FA-00933BB43C54}"/>
+              </a:ext>
+            </a:extLst>
+          </p:cNvPr>
+          <p:cNvCxnSpPr>
+            <a:cxnSpLocks/>
+            <a:stCxn id="5" idx="2"/>
+            <a:endCxn id="6" idx="0"/>
+          </p:cNvCxnSpPr>
+          <p:nvPr/>
+        </p:nvCxnSpPr>
+        <p:spPr>
+          <a:xfrm rot="5400000">
+            <a:off x="5521545" y="-1032921"/>
+            <a:ext cx="736286" cy="5913882"/>
+          </a:xfrm>
+          <a:prstGeom prst="bentConnector3">
+            <a:avLst/>
+          </a:prstGeom>
+          <a:ln>
+            <a:prstDash val="sysDot"/>
+            <a:tailEnd type="triangle"/>
+          </a:ln>
+        </p:spPr>
+        <p:style>
+          <a:lnRef idx="2">
+            <a:schemeClr val="dk1"/>
+          </a:lnRef>
+          <a:fillRef idx="0">
+            <a:schemeClr val="dk1"/>
+          </a:fillRef>
+          <a:effectRef idx="1">
+            <a:schemeClr val="dk1"/>
+          </a:effectRef>
+          <a:fontRef idx="minor">
+            <a:schemeClr val="tx1"/>
+          </a:fontRef>
+        </p:style>
+      </p:cxnSp>
+      <p:cxnSp>
+        <p:nvCxnSpPr>
+          <p:cNvPr id="29" name="Verbinder: gewinkelt 28">
+            <a:extLst>
+              <a:ext uri="{FF2B5EF4-FFF2-40B4-BE49-F238E27FC236}">
+                <a16:creationId xmlns:a16="http://schemas.microsoft.com/office/drawing/2014/main" id="{0279223A-B391-B750-68F9-BF14EE6E6C52}"/>
+              </a:ext>
+            </a:extLst>
+          </p:cNvPr>
+          <p:cNvCxnSpPr>
+            <a:cxnSpLocks/>
+            <a:stCxn id="5" idx="2"/>
+            <a:endCxn id="7" idx="0"/>
+          </p:cNvCxnSpPr>
+          <p:nvPr/>
+        </p:nvCxnSpPr>
+        <p:spPr>
+          <a:xfrm rot="5400000">
+            <a:off x="4682149" y="-187173"/>
+            <a:ext cx="2421431" cy="5907531"/>
+          </a:xfrm>
+          <a:prstGeom prst="bentConnector3">
+            <a:avLst>
+              <a:gd name="adj1" fmla="val 86564"/>
+            </a:avLst>
+          </a:prstGeom>
+          <a:ln>
+            <a:tailEnd type="triangle"/>
+          </a:ln>
+        </p:spPr>
+        <p:style>
+          <a:lnRef idx="2">
+            <a:schemeClr val="dk1"/>
+          </a:lnRef>
+          <a:fillRef idx="0">
+            <a:schemeClr val="dk1"/>
+          </a:fillRef>
+          <a:effectRef idx="1">
+            <a:schemeClr val="dk1"/>
+          </a:effectRef>
+          <a:fontRef idx="minor">
+            <a:schemeClr val="tx1"/>
+          </a:fontRef>
+        </p:style>
+      </p:cxnSp>
+      <p:cxnSp>
+        <p:nvCxnSpPr>
+          <p:cNvPr id="33" name="Verbinder: gewinkelt 32">
+            <a:extLst>
+              <a:ext uri="{FF2B5EF4-FFF2-40B4-BE49-F238E27FC236}">
+                <a16:creationId xmlns:a16="http://schemas.microsoft.com/office/drawing/2014/main" id="{5A3F2A39-B3F6-4E5B-1A08-6B8C92D11550}"/>
+              </a:ext>
+            </a:extLst>
+          </p:cNvPr>
+          <p:cNvCxnSpPr>
+            <a:cxnSpLocks/>
+            <a:stCxn id="6" idx="2"/>
+            <a:endCxn id="7" idx="0"/>
+          </p:cNvCxnSpPr>
+          <p:nvPr/>
+        </p:nvCxnSpPr>
+        <p:spPr>
+          <a:xfrm rot="16200000" flipH="1">
+            <a:off x="2629699" y="3667908"/>
+            <a:ext cx="612447" cy="6351"/>
+          </a:xfrm>
+          <a:prstGeom prst="bentConnector3">
+            <a:avLst>
+              <a:gd name="adj1" fmla="val 50000"/>
+            </a:avLst>
+          </a:prstGeom>
+          <a:ln>
+            <a:prstDash val="sysDot"/>
+            <a:tailEnd type="triangle"/>
+          </a:ln>
+        </p:spPr>
+        <p:style>
+          <a:lnRef idx="2">
+            <a:schemeClr val="dk1"/>
+          </a:lnRef>
+          <a:fillRef idx="0">
+            <a:schemeClr val="dk1"/>
+          </a:fillRef>
+          <a:effectRef idx="1">
+            <a:schemeClr val="dk1"/>
+          </a:effectRef>
+          <a:fontRef idx="minor">
+            <a:schemeClr val="tx1"/>
+          </a:fontRef>
+        </p:style>
+      </p:cxnSp>
+      <p:sp>
+        <p:nvSpPr>
+          <p:cNvPr id="38" name="Textfeld 37">
+            <a:extLst>
+              <a:ext uri="{FF2B5EF4-FFF2-40B4-BE49-F238E27FC236}">
+                <a16:creationId xmlns:a16="http://schemas.microsoft.com/office/drawing/2014/main" id="{F5223118-60B7-49D1-31E5-D27C691E48F7}"/>
+              </a:ext>
+            </a:extLst>
+          </p:cNvPr>
+          <p:cNvSpPr txBox="1"/>
+          <p:nvPr/>
+        </p:nvSpPr>
+        <p:spPr>
+          <a:xfrm>
+            <a:off x="4659758" y="1549527"/>
+            <a:ext cx="1147885" cy="369332"/>
+          </a:xfrm>
+          <a:prstGeom prst="rect">
+            <a:avLst/>
+          </a:prstGeom>
+          <a:noFill/>
+        </p:spPr>
+        <p:txBody>
+          <a:bodyPr wrap="square">
+            <a:spAutoFit/>
+          </a:bodyPr>
+          <a:lstStyle/>
+          <a:p>
+            <a:r>
+              <a:rPr lang="de-DE" dirty="0">
+                <a:solidFill>
+                  <a:schemeClr val="tx1">
+                    <a:lumMod val="75000"/>
+                    <a:lumOff val="25000"/>
+                  </a:schemeClr>
+                </a:solidFill>
+              </a:rPr>
+              <a:t>Optional </a:t>
+            </a:r>
+            <a:endParaRPr lang="de-DE" dirty="0"/>
+          </a:p>
+        </p:txBody>
+      </p:sp>
+      <p:cxnSp>
+        <p:nvCxnSpPr>
+          <p:cNvPr id="39" name="Verbinder: gewinkelt 38">
+            <a:extLst>
+              <a:ext uri="{FF2B5EF4-FFF2-40B4-BE49-F238E27FC236}">
+                <a16:creationId xmlns:a16="http://schemas.microsoft.com/office/drawing/2014/main" id="{F47E9602-4D24-C3C3-A244-1C9A978E0817}"/>
+              </a:ext>
+            </a:extLst>
+          </p:cNvPr>
+          <p:cNvCxnSpPr>
+            <a:cxnSpLocks/>
+            <a:stCxn id="7" idx="2"/>
+            <a:endCxn id="10" idx="0"/>
+          </p:cNvCxnSpPr>
+          <p:nvPr/>
+        </p:nvCxnSpPr>
+        <p:spPr>
+          <a:xfrm rot="5400000">
+            <a:off x="2512564" y="5369536"/>
+            <a:ext cx="853069" cy="1"/>
+          </a:xfrm>
+          <a:prstGeom prst="bentConnector3">
+            <a:avLst>
+              <a:gd name="adj1" fmla="val 50000"/>
+            </a:avLst>
+          </a:prstGeom>
+          <a:ln>
+            <a:tailEnd type="triangle"/>
+          </a:ln>
+        </p:spPr>
+        <p:style>
+          <a:lnRef idx="2">
+            <a:schemeClr val="dk1"/>
+          </a:lnRef>
+          <a:fillRef idx="0">
+            <a:schemeClr val="dk1"/>
+          </a:fillRef>
+          <a:effectRef idx="1">
+            <a:schemeClr val="dk1"/>
+          </a:effectRef>
+          <a:fontRef idx="minor">
+            <a:schemeClr val="tx1"/>
+          </a:fontRef>
+        </p:style>
+      </p:cxnSp>
+      <p:cxnSp>
+        <p:nvCxnSpPr>
+          <p:cNvPr id="65" name="Verbinder: gewinkelt 64">
+            <a:extLst>
+              <a:ext uri="{FF2B5EF4-FFF2-40B4-BE49-F238E27FC236}">
+                <a16:creationId xmlns:a16="http://schemas.microsoft.com/office/drawing/2014/main" id="{0C3825B4-E85C-8827-AA00-538468BF0833}"/>
+              </a:ext>
+            </a:extLst>
+          </p:cNvPr>
+          <p:cNvCxnSpPr>
+            <a:cxnSpLocks/>
+            <a:stCxn id="6" idx="3"/>
+            <a:endCxn id="25" idx="1"/>
+          </p:cNvCxnSpPr>
+          <p:nvPr/>
+        </p:nvCxnSpPr>
+        <p:spPr>
+          <a:xfrm>
+            <a:off x="5378958" y="2828512"/>
+            <a:ext cx="3111424" cy="2180303"/>
+          </a:xfrm>
+          <a:prstGeom prst="bentConnector3">
+            <a:avLst>
+              <a:gd name="adj1" fmla="val 50000"/>
+            </a:avLst>
+          </a:prstGeom>
+          <a:ln>
+            <a:solidFill>
+              <a:srgbClr val="CC3300">
+                <a:alpha val="74902"/>
+              </a:srgbClr>
+            </a:solidFill>
+            <a:prstDash val="sysDot"/>
+            <a:tailEnd type="triangle"/>
+          </a:ln>
+        </p:spPr>
+        <p:style>
+          <a:lnRef idx="2">
+            <a:schemeClr val="dk1"/>
+          </a:lnRef>
+          <a:fillRef idx="0">
+            <a:schemeClr val="dk1"/>
+          </a:fillRef>
+          <a:effectRef idx="1">
+            <a:schemeClr val="dk1"/>
+          </a:effectRef>
+          <a:fontRef idx="minor">
+            <a:schemeClr val="tx1"/>
+          </a:fontRef>
+        </p:style>
+      </p:cxnSp>
+      <p:cxnSp>
+        <p:nvCxnSpPr>
+          <p:cNvPr id="68" name="Verbinder: gewinkelt 67">
+            <a:extLst>
+              <a:ext uri="{FF2B5EF4-FFF2-40B4-BE49-F238E27FC236}">
+                <a16:creationId xmlns:a16="http://schemas.microsoft.com/office/drawing/2014/main" id="{7CEF9B9E-93E5-66EC-2575-AFD4FB59CEC4}"/>
+              </a:ext>
+            </a:extLst>
+          </p:cNvPr>
+          <p:cNvCxnSpPr>
+            <a:cxnSpLocks/>
+            <a:endCxn id="25" idx="0"/>
+          </p:cNvCxnSpPr>
+          <p:nvPr/>
+        </p:nvCxnSpPr>
+        <p:spPr>
+          <a:xfrm rot="16200000" flipH="1">
+            <a:off x="8524539" y="3993173"/>
+            <a:ext cx="912206" cy="268024"/>
+          </a:xfrm>
+          <a:prstGeom prst="bentConnector3">
+            <a:avLst>
+              <a:gd name="adj1" fmla="val 50000"/>
+            </a:avLst>
+          </a:prstGeom>
+          <a:ln>
+            <a:solidFill>
+              <a:srgbClr val="CC3300">
+                <a:alpha val="74902"/>
+              </a:srgbClr>
+            </a:solidFill>
+            <a:tailEnd type="triangle"/>
+          </a:ln>
+        </p:spPr>
+        <p:style>
+          <a:lnRef idx="2">
+            <a:schemeClr val="dk1"/>
+          </a:lnRef>
+          <a:fillRef idx="0">
+            <a:schemeClr val="dk1"/>
+          </a:fillRef>
+          <a:effectRef idx="1">
+            <a:schemeClr val="dk1"/>
+          </a:effectRef>
+          <a:fontRef idx="minor">
+            <a:schemeClr val="tx1"/>
+          </a:fontRef>
+        </p:style>
+      </p:cxnSp>
+      <p:cxnSp>
+        <p:nvCxnSpPr>
+          <p:cNvPr id="72" name="Verbinder: gewinkelt 71">
+            <a:extLst>
+              <a:ext uri="{FF2B5EF4-FFF2-40B4-BE49-F238E27FC236}">
+                <a16:creationId xmlns:a16="http://schemas.microsoft.com/office/drawing/2014/main" id="{2E7DC7E3-E657-8CD6-3C91-F76C5635765F}"/>
+              </a:ext>
+            </a:extLst>
+          </p:cNvPr>
+          <p:cNvCxnSpPr>
+            <a:cxnSpLocks/>
+            <a:stCxn id="23" idx="3"/>
+            <a:endCxn id="5" idx="3"/>
+          </p:cNvCxnSpPr>
+          <p:nvPr/>
+        </p:nvCxnSpPr>
+        <p:spPr>
+          <a:xfrm flipH="1" flipV="1">
+            <a:off x="11236451" y="949896"/>
+            <a:ext cx="168903" cy="5161408"/>
+          </a:xfrm>
+          <a:prstGeom prst="bentConnector3">
+            <a:avLst>
+              <a:gd name="adj1" fmla="val -135344"/>
+            </a:avLst>
+          </a:prstGeom>
+          <a:ln>
+            <a:tailEnd type="triangle"/>
+          </a:ln>
+        </p:spPr>
+        <p:style>
+          <a:lnRef idx="2">
+            <a:schemeClr val="dk1"/>
+          </a:lnRef>
+          <a:fillRef idx="0">
+            <a:schemeClr val="dk1"/>
+          </a:fillRef>
+          <a:effectRef idx="1">
+            <a:schemeClr val="dk1"/>
+          </a:effectRef>
+          <a:fontRef idx="minor">
+            <a:schemeClr val="tx1"/>
+          </a:fontRef>
+        </p:style>
+      </p:cxnSp>
+      <p:cxnSp>
+        <p:nvCxnSpPr>
+          <p:cNvPr id="75" name="Verbinder: gewinkelt 74">
+            <a:extLst>
+              <a:ext uri="{FF2B5EF4-FFF2-40B4-BE49-F238E27FC236}">
+                <a16:creationId xmlns:a16="http://schemas.microsoft.com/office/drawing/2014/main" id="{AD7927FD-7410-4451-D0B2-C757E162780D}"/>
+              </a:ext>
+            </a:extLst>
+          </p:cNvPr>
+          <p:cNvCxnSpPr>
+            <a:cxnSpLocks/>
+            <a:stCxn id="25" idx="3"/>
+          </p:cNvCxnSpPr>
+          <p:nvPr/>
+        </p:nvCxnSpPr>
+        <p:spPr>
+          <a:xfrm rot="16200000" flipH="1">
+            <a:off x="8933788" y="5615206"/>
+            <a:ext cx="361732" cy="1"/>
+          </a:xfrm>
+          <a:prstGeom prst="bentConnector3">
+            <a:avLst>
+              <a:gd name="adj1" fmla="val 50000"/>
+            </a:avLst>
+          </a:prstGeom>
+          <a:ln>
+            <a:solidFill>
+              <a:srgbClr val="CC3300">
+                <a:alpha val="74902"/>
+              </a:srgbClr>
+            </a:solidFill>
+            <a:tailEnd type="triangle"/>
+          </a:ln>
+        </p:spPr>
+        <p:style>
+          <a:lnRef idx="2">
+            <a:schemeClr val="dk1"/>
+          </a:lnRef>
+          <a:fillRef idx="0">
+            <a:schemeClr val="dk1"/>
+          </a:fillRef>
+          <a:effectRef idx="1">
+            <a:schemeClr val="dk1"/>
+          </a:effectRef>
+          <a:fontRef idx="minor">
+            <a:schemeClr val="tx1"/>
+          </a:fontRef>
+        </p:style>
+      </p:cxnSp>
+    </p:spTree>
+    <p:extLst>
+      <p:ext uri="{BB962C8B-B14F-4D97-AF65-F5344CB8AC3E}">
+        <p14:creationId xmlns:p14="http://schemas.microsoft.com/office/powerpoint/2010/main" val="87078579"/>
+      </p:ext>
+    </p:extLst>
+  </p:cSld>
+  <p:clrMapOvr>
+    <a:masterClrMapping/>
+  </p:clrMapOvr>
+</p:sld>
+</file>
+
+<file path=ppt/slides/slide4.xml><?xml version="1.0" encoding="utf-8"?>
+<p:sld xmlns:a="http://schemas.openxmlformats.org/drawingml/2006/main" xmlns:r="http://schemas.openxmlformats.org/officeDocument/2006/relationships" xmlns:p="http://schemas.openxmlformats.org/presentationml/2006/main">
+  <p:cSld>
+    <p:spTree>
+      <p:nvGrpSpPr>
+        <p:cNvPr id="1" name="">
+          <a:extLst>
+            <a:ext uri="{FF2B5EF4-FFF2-40B4-BE49-F238E27FC236}">
+              <a16:creationId xmlns:a16="http://schemas.microsoft.com/office/drawing/2014/main" id="{720C8D35-BAAC-D168-D96F-E560393CA836}"/>
+            </a:ext>
+          </a:extLst>
+        </p:cNvPr>
+        <p:cNvGrpSpPr/>
+        <p:nvPr/>
+      </p:nvGrpSpPr>
+      <p:grpSpPr>
+        <a:xfrm>
+          <a:off x="0" y="0"/>
+          <a:ext cx="0" cy="0"/>
+          <a:chOff x="0" y="0"/>
+          <a:chExt cx="0" cy="0"/>
+        </a:xfrm>
+      </p:grpSpPr>
+      <p:sp>
+        <p:nvSpPr>
+          <p:cNvPr id="4" name="Ellipse 3">
+            <a:extLst>
+              <a:ext uri="{FF2B5EF4-FFF2-40B4-BE49-F238E27FC236}">
+                <a16:creationId xmlns:a16="http://schemas.microsoft.com/office/drawing/2014/main" id="{B49C1902-1C7A-35FD-B471-9269B0455A42}"/>
               </a:ext>
             </a:extLst>
           </p:cNvPr>
@@ -3407,7 +6229,7 @@
           <p:cNvPr id="5" name="Rechteck 4">
             <a:extLst>
               <a:ext uri="{FF2B5EF4-FFF2-40B4-BE49-F238E27FC236}">
-                <a16:creationId xmlns:a16="http://schemas.microsoft.com/office/drawing/2014/main" id="{72427F4E-3473-6AFF-593F-0CFD6C318B57}"/>
+                <a16:creationId xmlns:a16="http://schemas.microsoft.com/office/drawing/2014/main" id="{B14E2528-0B7A-B47E-ABBB-AD4A0BCDC47F}"/>
               </a:ext>
             </a:extLst>
           </p:cNvPr>
@@ -3594,7 +6416,7 @@
           <p:cNvPr id="6" name="Rechteck 5">
             <a:extLst>
               <a:ext uri="{FF2B5EF4-FFF2-40B4-BE49-F238E27FC236}">
-                <a16:creationId xmlns:a16="http://schemas.microsoft.com/office/drawing/2014/main" id="{59DFBB08-6D76-6789-0C0D-1204839AB135}"/>
+                <a16:creationId xmlns:a16="http://schemas.microsoft.com/office/drawing/2014/main" id="{1EFFED85-F99F-F99B-7182-B22DCDF17588}"/>
               </a:ext>
             </a:extLst>
           </p:cNvPr>
@@ -3760,7 +6582,7 @@
           <p:cNvPr id="7" name="Rechteck 6">
             <a:extLst>
               <a:ext uri="{FF2B5EF4-FFF2-40B4-BE49-F238E27FC236}">
-                <a16:creationId xmlns:a16="http://schemas.microsoft.com/office/drawing/2014/main" id="{7A786F2A-E5B6-F6EE-34A8-01152A6C0414}"/>
+                <a16:creationId xmlns:a16="http://schemas.microsoft.com/office/drawing/2014/main" id="{7C14DA16-C72A-27CD-32A7-935C46FA6EED}"/>
               </a:ext>
             </a:extLst>
           </p:cNvPr>
@@ -3769,7 +6591,7 @@
         </p:nvSpPr>
         <p:spPr>
           <a:xfrm>
-            <a:off x="222123" y="1817560"/>
+            <a:off x="222123" y="1817512"/>
             <a:ext cx="4892422" cy="1894904"/>
           </a:xfrm>
           <a:prstGeom prst="rect">
@@ -3814,7 +6636,29 @@
                   </a:schemeClr>
                 </a:solidFill>
               </a:rPr>
-              <a:t>LLM generiert eine Query</a:t>
+              <a:t>Query an </a:t>
+            </a:r>
+            <a:r>
+              <a:rPr lang="de-DE" dirty="0" err="1">
+                <a:solidFill>
+                  <a:schemeClr val="tx1">
+                    <a:lumMod val="75000"/>
+                    <a:lumOff val="25000"/>
+                  </a:schemeClr>
+                </a:solidFill>
+              </a:rPr>
+              <a:t>Geofox</a:t>
+            </a:r>
+            <a:r>
+              <a:rPr lang="de-DE" dirty="0">
+                <a:solidFill>
+                  <a:schemeClr val="tx1">
+                    <a:lumMod val="75000"/>
+                    <a:lumOff val="25000"/>
+                  </a:schemeClr>
+                </a:solidFill>
+              </a:rPr>
+              <a:t> API</a:t>
             </a:r>
           </a:p>
           <a:p>
@@ -3827,146 +6671,6 @@
               </a:solidFill>
             </a:endParaRPr>
           </a:p>
-          <a:p>
-            <a:pPr marL="285750" indent="-285750">
-              <a:buFontTx/>
-              <a:buChar char="-"/>
-            </a:pPr>
-            <a:r>
-              <a:rPr lang="de-DE" sz="1400" dirty="0" err="1">
-                <a:solidFill>
-                  <a:schemeClr val="tx1">
-                    <a:lumMod val="75000"/>
-                    <a:lumOff val="25000"/>
-                  </a:schemeClr>
-                </a:solidFill>
-              </a:rPr>
-              <a:t>Llm</a:t>
-            </a:r>
-            <a:r>
-              <a:rPr lang="de-DE" sz="1400" dirty="0">
-                <a:solidFill>
-                  <a:schemeClr val="tx1">
-                    <a:lumMod val="75000"/>
-                    <a:lumOff val="25000"/>
-                  </a:schemeClr>
-                </a:solidFill>
-              </a:rPr>
-              <a:t> erhält als </a:t>
-            </a:r>
-            <a:r>
-              <a:rPr lang="de-DE" sz="1400" dirty="0" err="1">
-                <a:solidFill>
-                  <a:schemeClr val="tx1">
-                    <a:lumMod val="75000"/>
-                    <a:lumOff val="25000"/>
-                  </a:schemeClr>
-                </a:solidFill>
-              </a:rPr>
-              <a:t>kontext</a:t>
-            </a:r>
-            <a:r>
-              <a:rPr lang="de-DE" sz="1400" dirty="0">
-                <a:solidFill>
-                  <a:schemeClr val="tx1">
-                    <a:lumMod val="75000"/>
-                    <a:lumOff val="25000"/>
-                  </a:schemeClr>
-                </a:solidFill>
-              </a:rPr>
-              <a:t>: </a:t>
-            </a:r>
-          </a:p>
-          <a:p>
-            <a:pPr marL="742950" lvl="1" indent="-285750">
-              <a:buFontTx/>
-              <a:buChar char="-"/>
-            </a:pPr>
-            <a:r>
-              <a:rPr lang="de-DE" sz="1400" dirty="0">
-                <a:solidFill>
-                  <a:schemeClr val="tx1">
-                    <a:lumMod val="75000"/>
-                    <a:lumOff val="25000"/>
-                  </a:schemeClr>
-                </a:solidFill>
-              </a:rPr>
-              <a:t>Nutzeranfrage, </a:t>
-            </a:r>
-          </a:p>
-          <a:p>
-            <a:pPr marL="742950" lvl="1" indent="-285750">
-              <a:buFontTx/>
-              <a:buChar char="-"/>
-            </a:pPr>
-            <a:r>
-              <a:rPr lang="de-DE" sz="1400" dirty="0">
-                <a:solidFill>
-                  <a:schemeClr val="tx1">
-                    <a:lumMod val="75000"/>
-                    <a:lumOff val="25000"/>
-                  </a:schemeClr>
-                </a:solidFill>
-              </a:rPr>
-              <a:t>Analyseergebnis aus Step1, </a:t>
-            </a:r>
-          </a:p>
-          <a:p>
-            <a:pPr marL="742950" lvl="1" indent="-285750">
-              <a:buFontTx/>
-              <a:buChar char="-"/>
-            </a:pPr>
-            <a:r>
-              <a:rPr lang="de-DE" sz="1400" dirty="0">
-                <a:solidFill>
-                  <a:schemeClr val="tx1">
-                    <a:lumMod val="75000"/>
-                    <a:lumOff val="25000"/>
-                  </a:schemeClr>
-                </a:solidFill>
-              </a:rPr>
-              <a:t>zusätzliche Abhängigkeiten aus </a:t>
-            </a:r>
-            <a:r>
-              <a:rPr lang="de-DE" sz="1400" dirty="0" err="1">
-                <a:solidFill>
-                  <a:schemeClr val="tx1">
-                    <a:lumMod val="75000"/>
-                    <a:lumOff val="25000"/>
-                  </a:schemeClr>
-                </a:solidFill>
-              </a:rPr>
-              <a:t>Step</a:t>
-            </a:r>
-            <a:r>
-              <a:rPr lang="de-DE" sz="1400" dirty="0">
-                <a:solidFill>
-                  <a:schemeClr val="tx1">
-                    <a:lumMod val="75000"/>
-                    <a:lumOff val="25000"/>
-                  </a:schemeClr>
-                </a:solidFill>
-              </a:rPr>
-              <a:t> 2</a:t>
-            </a:r>
-          </a:p>
-          <a:p>
-            <a:pPr marL="742950" lvl="1" indent="-285750">
-              <a:buFontTx/>
-              <a:buChar char="-"/>
-            </a:pPr>
-            <a:r>
-              <a:rPr lang="de-DE" sz="1400" dirty="0">
-                <a:solidFill>
-                  <a:schemeClr val="tx1">
-                    <a:lumMod val="75000"/>
-                    <a:lumOff val="25000"/>
-                  </a:schemeClr>
-                </a:solidFill>
-              </a:rPr>
-              <a:t>Metadaten zum Schema des Datenendpunktes</a:t>
-            </a:r>
-          </a:p>
         </p:txBody>
       </p:sp>
       <p:sp>
@@ -3974,7 +6678,7 @@
           <p:cNvPr id="8" name="Rechteck 7">
             <a:extLst>
               <a:ext uri="{FF2B5EF4-FFF2-40B4-BE49-F238E27FC236}">
-                <a16:creationId xmlns:a16="http://schemas.microsoft.com/office/drawing/2014/main" id="{AB910E1C-24D2-A35A-3E23-2A7A4813F06B}"/>
+                <a16:creationId xmlns:a16="http://schemas.microsoft.com/office/drawing/2014/main" id="{F3202419-A031-BE5B-7570-DEFACCAA8D4B}"/>
               </a:ext>
             </a:extLst>
           </p:cNvPr>
@@ -4044,7 +6748,7 @@
           <p:cNvPr id="9" name="Rechteck 8">
             <a:extLst>
               <a:ext uri="{FF2B5EF4-FFF2-40B4-BE49-F238E27FC236}">
-                <a16:creationId xmlns:a16="http://schemas.microsoft.com/office/drawing/2014/main" id="{59E0E101-616C-DB49-ED5A-BDD46AF39C4F}"/>
+                <a16:creationId xmlns:a16="http://schemas.microsoft.com/office/drawing/2014/main" id="{A4604897-C41B-4569-22FF-7C7E79037A4A}"/>
               </a:ext>
             </a:extLst>
           </p:cNvPr>
@@ -4114,7 +6818,7 @@
           <p:cNvPr id="10" name="Rechteck 9">
             <a:extLst>
               <a:ext uri="{FF2B5EF4-FFF2-40B4-BE49-F238E27FC236}">
-                <a16:creationId xmlns:a16="http://schemas.microsoft.com/office/drawing/2014/main" id="{FD26FAF0-E86F-239C-69BA-012C797F01FA}"/>
+                <a16:creationId xmlns:a16="http://schemas.microsoft.com/office/drawing/2014/main" id="{63E774F2-CBFE-100A-BDF3-D25F811BF157}"/>
               </a:ext>
             </a:extLst>
           </p:cNvPr>
@@ -4294,7 +6998,7 @@
           <p:cNvPr id="11" name="Rechteck 10">
             <a:extLst>
               <a:ext uri="{FF2B5EF4-FFF2-40B4-BE49-F238E27FC236}">
-                <a16:creationId xmlns:a16="http://schemas.microsoft.com/office/drawing/2014/main" id="{471CA09E-EFB4-6A63-BDB9-E4A4E2AF588A}"/>
+                <a16:creationId xmlns:a16="http://schemas.microsoft.com/office/drawing/2014/main" id="{8861A0EE-2861-054C-CF88-85BAB8AA1429}"/>
               </a:ext>
             </a:extLst>
           </p:cNvPr>
@@ -4364,7 +7068,7 @@
           <p:cNvPr id="12" name="Rechteck 11">
             <a:extLst>
               <a:ext uri="{FF2B5EF4-FFF2-40B4-BE49-F238E27FC236}">
-                <a16:creationId xmlns:a16="http://schemas.microsoft.com/office/drawing/2014/main" id="{F655BC03-1736-2D1D-5D89-F1713621A6E9}"/>
+                <a16:creationId xmlns:a16="http://schemas.microsoft.com/office/drawing/2014/main" id="{CACBD0F0-9B19-FE6A-3542-A2A77E83A262}"/>
               </a:ext>
             </a:extLst>
           </p:cNvPr>
@@ -4434,7 +7138,7 @@
           <p:cNvPr id="14" name="Verbinder: gewinkelt 13">
             <a:extLst>
               <a:ext uri="{FF2B5EF4-FFF2-40B4-BE49-F238E27FC236}">
-                <a16:creationId xmlns:a16="http://schemas.microsoft.com/office/drawing/2014/main" id="{462B7E2D-D5E1-6730-59AB-581D29F93ED7}"/>
+                <a16:creationId xmlns:a16="http://schemas.microsoft.com/office/drawing/2014/main" id="{CC06CDC9-8176-2D7D-D57E-0DD60CA404B8}"/>
               </a:ext>
             </a:extLst>
           </p:cNvPr>
@@ -4477,7 +7181,7 @@
           <p:cNvPr id="15" name="Verbinder: gewinkelt 14">
             <a:extLst>
               <a:ext uri="{FF2B5EF4-FFF2-40B4-BE49-F238E27FC236}">
-                <a16:creationId xmlns:a16="http://schemas.microsoft.com/office/drawing/2014/main" id="{1367E2B0-5D9F-E3A4-D937-8110CA9BBB9B}"/>
+                <a16:creationId xmlns:a16="http://schemas.microsoft.com/office/drawing/2014/main" id="{DCC096F8-C246-0E89-13C6-CCC24C723BBF}"/>
               </a:ext>
             </a:extLst>
           </p:cNvPr>
@@ -4522,7 +7226,7 @@
           <p:cNvPr id="18" name="Verbinder: gewinkelt 17">
             <a:extLst>
               <a:ext uri="{FF2B5EF4-FFF2-40B4-BE49-F238E27FC236}">
-                <a16:creationId xmlns:a16="http://schemas.microsoft.com/office/drawing/2014/main" id="{A40D652F-351D-2270-A8D6-53614297E0D5}"/>
+                <a16:creationId xmlns:a16="http://schemas.microsoft.com/office/drawing/2014/main" id="{9C0BD8AD-2091-79AA-68DC-8B564C605E69}"/>
               </a:ext>
             </a:extLst>
           </p:cNvPr>
@@ -4535,8 +7239,8 @@
         </p:nvCxnSpPr>
         <p:spPr>
           <a:xfrm rot="10800000">
-            <a:off x="5114546" y="2765013"/>
-            <a:ext cx="1151761" cy="1064611"/>
+            <a:off x="5114546" y="2764965"/>
+            <a:ext cx="1151761" cy="1064659"/>
           </a:xfrm>
           <a:prstGeom prst="bentConnector3">
             <a:avLst>
@@ -4567,7 +7271,7 @@
           <p:cNvPr id="21" name="Verbinder: gewinkelt 20">
             <a:extLst>
               <a:ext uri="{FF2B5EF4-FFF2-40B4-BE49-F238E27FC236}">
-                <a16:creationId xmlns:a16="http://schemas.microsoft.com/office/drawing/2014/main" id="{195E86B0-C241-AD16-8CFE-4796C3D8E222}"/>
+                <a16:creationId xmlns:a16="http://schemas.microsoft.com/office/drawing/2014/main" id="{0689C1FA-5281-3B99-65EC-73302083C0F5}"/>
               </a:ext>
             </a:extLst>
           </p:cNvPr>
@@ -4580,8 +7284,8 @@
         </p:nvCxnSpPr>
         <p:spPr>
           <a:xfrm rot="5400000">
-            <a:off x="2405730" y="3975068"/>
-            <a:ext cx="525208" cy="12700"/>
+            <a:off x="2405706" y="3975044"/>
+            <a:ext cx="525256" cy="12700"/>
           </a:xfrm>
           <a:prstGeom prst="bentConnector3">
             <a:avLst>
@@ -4610,7 +7314,7 @@
     </p:spTree>
     <p:extLst>
       <p:ext uri="{BB962C8B-B14F-4D97-AF65-F5344CB8AC3E}">
-        <p14:creationId xmlns:p14="http://schemas.microsoft.com/office/powerpoint/2010/main" val="1394464965"/>
+        <p14:creationId xmlns:p14="http://schemas.microsoft.com/office/powerpoint/2010/main" val="2298127449"/>
       </p:ext>
     </p:extLst>
   </p:cSld>
@@ -4933,4 +7637,319 @@
     </a:ext>
   </a:extLst>
 </a:theme>
+</file>
+
+<file path=ppt/theme/theme2.xml><?xml version="1.0" encoding="utf-8"?>
+<a:theme xmlns:a="http://schemas.openxmlformats.org/drawingml/2006/main" name="Office">
+  <a:themeElements>
+    <a:clrScheme name="Office">
+      <a:dk1>
+        <a:sysClr val="windowText" lastClr="000000"/>
+      </a:dk1>
+      <a:lt1>
+        <a:sysClr val="window" lastClr="FFFFFF"/>
+      </a:lt1>
+      <a:dk2>
+        <a:srgbClr val="0E2841"/>
+      </a:dk2>
+      <a:lt2>
+        <a:srgbClr val="E8E8E8"/>
+      </a:lt2>
+      <a:accent1>
+        <a:srgbClr val="156082"/>
+      </a:accent1>
+      <a:accent2>
+        <a:srgbClr val="E97132"/>
+      </a:accent2>
+      <a:accent3>
+        <a:srgbClr val="196B24"/>
+      </a:accent3>
+      <a:accent4>
+        <a:srgbClr val="0F9ED5"/>
+      </a:accent4>
+      <a:accent5>
+        <a:srgbClr val="A02B93"/>
+      </a:accent5>
+      <a:accent6>
+        <a:srgbClr val="4EA72E"/>
+      </a:accent6>
+      <a:hlink>
+        <a:srgbClr val="467886"/>
+      </a:hlink>
+      <a:folHlink>
+        <a:srgbClr val="96607D"/>
+      </a:folHlink>
+    </a:clrScheme>
+    <a:fontScheme name="Office">
+      <a:majorFont>
+        <a:latin typeface="Aptos Display" panose="02110004020202020204"/>
+        <a:ea typeface=""/>
+        <a:cs typeface=""/>
+        <a:font script="Jpan" typeface="游ゴシック Light"/>
+        <a:font script="Hang" typeface="맑은 고딕"/>
+        <a:font script="Hans" typeface="等线 Light"/>
+        <a:font script="Hant" typeface="新細明體"/>
+        <a:font script="Arab" typeface="Times New Roman"/>
+        <a:font script="Hebr" typeface="Times New Roman"/>
+        <a:font script="Thai" typeface="Angsana New"/>
+        <a:font script="Ethi" typeface="Nyala"/>
+        <a:font script="Beng" typeface="Vrinda"/>
+        <a:font script="Gujr" typeface="Shruti"/>
+        <a:font script="Khmr" typeface="MoolBoran"/>
+        <a:font script="Knda" typeface="Tunga"/>
+        <a:font script="Guru" typeface="Raavi"/>
+        <a:font script="Cans" typeface="Euphemia"/>
+        <a:font script="Cher" typeface="Plantagenet Cherokee"/>
+        <a:font script="Yiii" typeface="Microsoft Yi Baiti"/>
+        <a:font script="Tibt" typeface="Microsoft Himalaya"/>
+        <a:font script="Thaa" typeface="MV Boli"/>
+        <a:font script="Deva" typeface="Mangal"/>
+        <a:font script="Telu" typeface="Gautami"/>
+        <a:font script="Taml" typeface="Latha"/>
+        <a:font script="Syrc" typeface="Estrangelo Edessa"/>
+        <a:font script="Orya" typeface="Kalinga"/>
+        <a:font script="Mlym" typeface="Kartika"/>
+        <a:font script="Laoo" typeface="DokChampa"/>
+        <a:font script="Sinh" typeface="Iskoola Pota"/>
+        <a:font script="Mong" typeface="Mongolian Baiti"/>
+        <a:font script="Viet" typeface="Times New Roman"/>
+        <a:font script="Uigh" typeface="Microsoft Uighur"/>
+        <a:font script="Geor" typeface="Sylfaen"/>
+        <a:font script="Armn" typeface="Arial"/>
+        <a:font script="Bugi" typeface="Leelawadee UI"/>
+        <a:font script="Bopo" typeface="Microsoft JhengHei"/>
+        <a:font script="Java" typeface="Javanese Text"/>
+        <a:font script="Lisu" typeface="Segoe UI"/>
+        <a:font script="Mymr" typeface="Myanmar Text"/>
+        <a:font script="Nkoo" typeface="Ebrima"/>
+        <a:font script="Olck" typeface="Nirmala UI"/>
+        <a:font script="Osma" typeface="Ebrima"/>
+        <a:font script="Phag" typeface="Phagspa"/>
+        <a:font script="Syrn" typeface="Estrangelo Edessa"/>
+        <a:font script="Syrj" typeface="Estrangelo Edessa"/>
+        <a:font script="Syre" typeface="Estrangelo Edessa"/>
+        <a:font script="Sora" typeface="Nirmala UI"/>
+        <a:font script="Tale" typeface="Microsoft Tai Le"/>
+        <a:font script="Talu" typeface="Microsoft New Tai Lue"/>
+        <a:font script="Tfng" typeface="Ebrima"/>
+      </a:majorFont>
+      <a:minorFont>
+        <a:latin typeface="Aptos" panose="02110004020202020204"/>
+        <a:ea typeface=""/>
+        <a:cs typeface=""/>
+        <a:font script="Jpan" typeface="游ゴシック"/>
+        <a:font script="Hang" typeface="맑은 고딕"/>
+        <a:font script="Hans" typeface="等线"/>
+        <a:font script="Hant" typeface="新細明體"/>
+        <a:font script="Arab" typeface="Arial"/>
+        <a:font script="Hebr" typeface="Arial"/>
+        <a:font script="Thai" typeface="Cordia New"/>
+        <a:font script="Ethi" typeface="Nyala"/>
+        <a:font script="Beng" typeface="Vrinda"/>
+        <a:font script="Gujr" typeface="Shruti"/>
+        <a:font script="Khmr" typeface="DaunPenh"/>
+        <a:font script="Knda" typeface="Tunga"/>
+        <a:font script="Guru" typeface="Raavi"/>
+        <a:font script="Cans" typeface="Euphemia"/>
+        <a:font script="Cher" typeface="Plantagenet Cherokee"/>
+        <a:font script="Yiii" typeface="Microsoft Yi Baiti"/>
+        <a:font script="Tibt" typeface="Microsoft Himalaya"/>
+        <a:font script="Thaa" typeface="MV Boli"/>
+        <a:font script="Deva" typeface="Mangal"/>
+        <a:font script="Telu" typeface="Gautami"/>
+        <a:font script="Taml" typeface="Latha"/>
+        <a:font script="Syrc" typeface="Estrangelo Edessa"/>
+        <a:font script="Orya" typeface="Kalinga"/>
+        <a:font script="Mlym" typeface="Kartika"/>
+        <a:font script="Laoo" typeface="DokChampa"/>
+        <a:font script="Sinh" typeface="Iskoola Pota"/>
+        <a:font script="Mong" typeface="Mongolian Baiti"/>
+        <a:font script="Viet" typeface="Arial"/>
+        <a:font script="Uigh" typeface="Microsoft Uighur"/>
+        <a:font script="Geor" typeface="Sylfaen"/>
+        <a:font script="Armn" typeface="Arial"/>
+        <a:font script="Bugi" typeface="Leelawadee UI"/>
+        <a:font script="Bopo" typeface="Microsoft JhengHei"/>
+        <a:font script="Java" typeface="Javanese Text"/>
+        <a:font script="Lisu" typeface="Segoe UI"/>
+        <a:font script="Mymr" typeface="Myanmar Text"/>
+        <a:font script="Nkoo" typeface="Ebrima"/>
+        <a:font script="Olck" typeface="Nirmala UI"/>
+        <a:font script="Osma" typeface="Ebrima"/>
+        <a:font script="Phag" typeface="Phagspa"/>
+        <a:font script="Syrn" typeface="Estrangelo Edessa"/>
+        <a:font script="Syrj" typeface="Estrangelo Edessa"/>
+        <a:font script="Syre" typeface="Estrangelo Edessa"/>
+        <a:font script="Sora" typeface="Nirmala UI"/>
+        <a:font script="Tale" typeface="Microsoft Tai Le"/>
+        <a:font script="Talu" typeface="Microsoft New Tai Lue"/>
+        <a:font script="Tfng" typeface="Ebrima"/>
+      </a:minorFont>
+    </a:fontScheme>
+    <a:fmtScheme name="Office">
+      <a:fillStyleLst>
+        <a:solidFill>
+          <a:schemeClr val="phClr"/>
+        </a:solidFill>
+        <a:gradFill rotWithShape="1">
+          <a:gsLst>
+            <a:gs pos="0">
+              <a:schemeClr val="phClr">
+                <a:lumMod val="110000"/>
+                <a:satMod val="105000"/>
+                <a:tint val="67000"/>
+              </a:schemeClr>
+            </a:gs>
+            <a:gs pos="50000">
+              <a:schemeClr val="phClr">
+                <a:lumMod val="105000"/>
+                <a:satMod val="103000"/>
+                <a:tint val="73000"/>
+              </a:schemeClr>
+            </a:gs>
+            <a:gs pos="100000">
+              <a:schemeClr val="phClr">
+                <a:lumMod val="105000"/>
+                <a:satMod val="109000"/>
+                <a:tint val="81000"/>
+              </a:schemeClr>
+            </a:gs>
+          </a:gsLst>
+          <a:lin ang="5400000" scaled="0"/>
+        </a:gradFill>
+        <a:gradFill rotWithShape="1">
+          <a:gsLst>
+            <a:gs pos="0">
+              <a:schemeClr val="phClr">
+                <a:satMod val="103000"/>
+                <a:lumMod val="102000"/>
+                <a:tint val="94000"/>
+              </a:schemeClr>
+            </a:gs>
+            <a:gs pos="50000">
+              <a:schemeClr val="phClr">
+                <a:satMod val="110000"/>
+                <a:lumMod val="100000"/>
+                <a:shade val="100000"/>
+              </a:schemeClr>
+            </a:gs>
+            <a:gs pos="100000">
+              <a:schemeClr val="phClr">
+                <a:lumMod val="99000"/>
+                <a:satMod val="120000"/>
+                <a:shade val="78000"/>
+              </a:schemeClr>
+            </a:gs>
+          </a:gsLst>
+          <a:lin ang="5400000" scaled="0"/>
+        </a:gradFill>
+      </a:fillStyleLst>
+      <a:lnStyleLst>
+        <a:ln w="12700" cap="flat" cmpd="sng" algn="ctr">
+          <a:solidFill>
+            <a:schemeClr val="phClr"/>
+          </a:solidFill>
+          <a:prstDash val="solid"/>
+          <a:miter lim="800000"/>
+        </a:ln>
+        <a:ln w="19050" cap="flat" cmpd="sng" algn="ctr">
+          <a:solidFill>
+            <a:schemeClr val="phClr"/>
+          </a:solidFill>
+          <a:prstDash val="solid"/>
+          <a:miter lim="800000"/>
+        </a:ln>
+        <a:ln w="25400" cap="flat" cmpd="sng" algn="ctr">
+          <a:solidFill>
+            <a:schemeClr val="phClr"/>
+          </a:solidFill>
+          <a:prstDash val="solid"/>
+          <a:miter lim="800000"/>
+        </a:ln>
+      </a:lnStyleLst>
+      <a:effectStyleLst>
+        <a:effectStyle>
+          <a:effectLst/>
+        </a:effectStyle>
+        <a:effectStyle>
+          <a:effectLst/>
+        </a:effectStyle>
+        <a:effectStyle>
+          <a:effectLst>
+            <a:outerShdw blurRad="57150" dist="19050" dir="5400000" algn="ctr" rotWithShape="0">
+              <a:srgbClr val="000000">
+                <a:alpha val="63000"/>
+              </a:srgbClr>
+            </a:outerShdw>
+          </a:effectLst>
+        </a:effectStyle>
+      </a:effectStyleLst>
+      <a:bgFillStyleLst>
+        <a:solidFill>
+          <a:schemeClr val="phClr"/>
+        </a:solidFill>
+        <a:solidFill>
+          <a:schemeClr val="phClr">
+            <a:tint val="95000"/>
+            <a:satMod val="170000"/>
+          </a:schemeClr>
+        </a:solidFill>
+        <a:gradFill rotWithShape="1">
+          <a:gsLst>
+            <a:gs pos="0">
+              <a:schemeClr val="phClr">
+                <a:tint val="93000"/>
+                <a:satMod val="150000"/>
+                <a:shade val="98000"/>
+                <a:lumMod val="102000"/>
+              </a:schemeClr>
+            </a:gs>
+            <a:gs pos="50000">
+              <a:schemeClr val="phClr">
+                <a:tint val="98000"/>
+                <a:satMod val="130000"/>
+                <a:shade val="90000"/>
+                <a:lumMod val="103000"/>
+              </a:schemeClr>
+            </a:gs>
+            <a:gs pos="100000">
+              <a:schemeClr val="phClr">
+                <a:shade val="63000"/>
+                <a:satMod val="120000"/>
+              </a:schemeClr>
+            </a:gs>
+          </a:gsLst>
+          <a:lin ang="5400000" scaled="0"/>
+        </a:gradFill>
+      </a:bgFillStyleLst>
+    </a:fmtScheme>
+  </a:themeElements>
+  <a:objectDefaults>
+    <a:lnDef>
+      <a:spPr/>
+      <a:bodyPr/>
+      <a:lstStyle/>
+      <a:style>
+        <a:lnRef idx="2">
+          <a:schemeClr val="accent1"/>
+        </a:lnRef>
+        <a:fillRef idx="0">
+          <a:schemeClr val="accent1"/>
+        </a:fillRef>
+        <a:effectRef idx="1">
+          <a:schemeClr val="accent1"/>
+        </a:effectRef>
+        <a:fontRef idx="minor">
+          <a:schemeClr val="tx1"/>
+        </a:fontRef>
+      </a:style>
+    </a:lnDef>
+  </a:objectDefaults>
+  <a:extraClrSchemeLst/>
+  <a:extLst>
+    <a:ext uri="{05A4C25C-085E-4340-85A3-A5531E510DB2}">
+      <thm15:themeFamily xmlns:thm15="http://schemas.microsoft.com/office/thememl/2012/main" name="Office Theme" id="{2E142A2C-CD16-42D6-873A-C26D2A0506FA}" vid="{1BDDFF52-6CD6-40A5-AB3C-68EB2F1E4D0A}"/>
+    </a:ext>
+  </a:extLst>
+</a:theme>
 </file>
--- a/grafiken.pptx
+++ b/grafiken.pptx
@@ -5,13 +5,12 @@
     <p:sldMasterId id="2147483648" r:id="rId1"/>
   </p:sldMasterIdLst>
   <p:notesMasterIdLst>
-    <p:notesMasterId r:id="rId6"/>
+    <p:notesMasterId r:id="rId5"/>
   </p:notesMasterIdLst>
   <p:sldIdLst>
     <p:sldId id="256" r:id="rId2"/>
     <p:sldId id="258" r:id="rId3"/>
     <p:sldId id="259" r:id="rId4"/>
-    <p:sldId id="257" r:id="rId5"/>
   </p:sldIdLst>
   <p:sldSz cx="12192000" cy="6858000"/>
   <p:notesSz cx="6858000" cy="9144000"/>
@@ -200,7 +199,7 @@
           <a:p>
             <a:fld id="{C4D0ED0B-4CCF-459E-84D8-67F548D32C69}" type="datetimeFigureOut">
               <a:rPr lang="de-DE" smtClean="0"/>
-              <a:t>06.05.2025</a:t>
+              <a:t>07.05.2025</a:t>
             </a:fld>
             <a:endParaRPr lang="de-DE"/>
           </a:p>
@@ -826,7 +825,7 @@
           <a:p>
             <a:fld id="{697F8687-E0E2-4F86-ABB5-61A5409D8773}" type="datetimeFigureOut">
               <a:rPr lang="de-DE" smtClean="0"/>
-              <a:t>06.05.2025</a:t>
+              <a:t>07.05.2025</a:t>
             </a:fld>
             <a:endParaRPr lang="de-DE"/>
           </a:p>
@@ -1024,7 +1023,7 @@
           <a:p>
             <a:fld id="{697F8687-E0E2-4F86-ABB5-61A5409D8773}" type="datetimeFigureOut">
               <a:rPr lang="de-DE" smtClean="0"/>
-              <a:t>06.05.2025</a:t>
+              <a:t>07.05.2025</a:t>
             </a:fld>
             <a:endParaRPr lang="de-DE"/>
           </a:p>
@@ -1232,7 +1231,7 @@
           <a:p>
             <a:fld id="{697F8687-E0E2-4F86-ABB5-61A5409D8773}" type="datetimeFigureOut">
               <a:rPr lang="de-DE" smtClean="0"/>
-              <a:t>06.05.2025</a:t>
+              <a:t>07.05.2025</a:t>
             </a:fld>
             <a:endParaRPr lang="de-DE"/>
           </a:p>
@@ -1430,7 +1429,7 @@
           <a:p>
             <a:fld id="{697F8687-E0E2-4F86-ABB5-61A5409D8773}" type="datetimeFigureOut">
               <a:rPr lang="de-DE" smtClean="0"/>
-              <a:t>06.05.2025</a:t>
+              <a:t>07.05.2025</a:t>
             </a:fld>
             <a:endParaRPr lang="de-DE"/>
           </a:p>
@@ -1705,7 +1704,7 @@
           <a:p>
             <a:fld id="{697F8687-E0E2-4F86-ABB5-61A5409D8773}" type="datetimeFigureOut">
               <a:rPr lang="de-DE" smtClean="0"/>
-              <a:t>06.05.2025</a:t>
+              <a:t>07.05.2025</a:t>
             </a:fld>
             <a:endParaRPr lang="de-DE"/>
           </a:p>
@@ -1970,7 +1969,7 @@
           <a:p>
             <a:fld id="{697F8687-E0E2-4F86-ABB5-61A5409D8773}" type="datetimeFigureOut">
               <a:rPr lang="de-DE" smtClean="0"/>
-              <a:t>06.05.2025</a:t>
+              <a:t>07.05.2025</a:t>
             </a:fld>
             <a:endParaRPr lang="de-DE"/>
           </a:p>
@@ -2382,7 +2381,7 @@
           <a:p>
             <a:fld id="{697F8687-E0E2-4F86-ABB5-61A5409D8773}" type="datetimeFigureOut">
               <a:rPr lang="de-DE" smtClean="0"/>
-              <a:t>06.05.2025</a:t>
+              <a:t>07.05.2025</a:t>
             </a:fld>
             <a:endParaRPr lang="de-DE"/>
           </a:p>
@@ -2523,7 +2522,7 @@
           <a:p>
             <a:fld id="{697F8687-E0E2-4F86-ABB5-61A5409D8773}" type="datetimeFigureOut">
               <a:rPr lang="de-DE" smtClean="0"/>
-              <a:t>06.05.2025</a:t>
+              <a:t>07.05.2025</a:t>
             </a:fld>
             <a:endParaRPr lang="de-DE"/>
           </a:p>
@@ -2636,7 +2635,7 @@
           <a:p>
             <a:fld id="{697F8687-E0E2-4F86-ABB5-61A5409D8773}" type="datetimeFigureOut">
               <a:rPr lang="de-DE" smtClean="0"/>
-              <a:t>06.05.2025</a:t>
+              <a:t>07.05.2025</a:t>
             </a:fld>
             <a:endParaRPr lang="de-DE"/>
           </a:p>
@@ -2947,7 +2946,7 @@
           <a:p>
             <a:fld id="{697F8687-E0E2-4F86-ABB5-61A5409D8773}" type="datetimeFigureOut">
               <a:rPr lang="de-DE" smtClean="0"/>
-              <a:t>06.05.2025</a:t>
+              <a:t>07.05.2025</a:t>
             </a:fld>
             <a:endParaRPr lang="de-DE"/>
           </a:p>
@@ -3235,7 +3234,7 @@
           <a:p>
             <a:fld id="{697F8687-E0E2-4F86-ABB5-61A5409D8773}" type="datetimeFigureOut">
               <a:rPr lang="de-DE" smtClean="0"/>
-              <a:t>06.05.2025</a:t>
+              <a:t>07.05.2025</a:t>
             </a:fld>
             <a:endParaRPr lang="de-DE"/>
           </a:p>
@@ -3476,7 +3475,7 @@
           <a:p>
             <a:fld id="{697F8687-E0E2-4F86-ABB5-61A5409D8773}" type="datetimeFigureOut">
               <a:rPr lang="de-DE" smtClean="0"/>
-              <a:t>06.05.2025</a:t>
+              <a:t>07.05.2025</a:t>
             </a:fld>
             <a:endParaRPr lang="de-DE"/>
           </a:p>
@@ -6040,6 +6039,7 @@
             </a:avLst>
           </a:prstGeom>
           <a:ln>
+            <a:prstDash val="sysDot"/>
             <a:tailEnd type="triangle"/>
           </a:ln>
         </p:spPr>
@@ -6111,1210 +6111,6 @@
     <p:extLst>
       <p:ext uri="{BB962C8B-B14F-4D97-AF65-F5344CB8AC3E}">
         <p14:creationId xmlns:p14="http://schemas.microsoft.com/office/powerpoint/2010/main" val="87078579"/>
-      </p:ext>
-    </p:extLst>
-  </p:cSld>
-  <p:clrMapOvr>
-    <a:masterClrMapping/>
-  </p:clrMapOvr>
-</p:sld>
-</file>
-
-<file path=ppt/slides/slide4.xml><?xml version="1.0" encoding="utf-8"?>
-<p:sld xmlns:a="http://schemas.openxmlformats.org/drawingml/2006/main" xmlns:r="http://schemas.openxmlformats.org/officeDocument/2006/relationships" xmlns:p="http://schemas.openxmlformats.org/presentationml/2006/main">
-  <p:cSld>
-    <p:spTree>
-      <p:nvGrpSpPr>
-        <p:cNvPr id="1" name="">
-          <a:extLst>
-            <a:ext uri="{FF2B5EF4-FFF2-40B4-BE49-F238E27FC236}">
-              <a16:creationId xmlns:a16="http://schemas.microsoft.com/office/drawing/2014/main" id="{720C8D35-BAAC-D168-D96F-E560393CA836}"/>
-            </a:ext>
-          </a:extLst>
-        </p:cNvPr>
-        <p:cNvGrpSpPr/>
-        <p:nvPr/>
-      </p:nvGrpSpPr>
-      <p:grpSpPr>
-        <a:xfrm>
-          <a:off x="0" y="0"/>
-          <a:ext cx="0" cy="0"/>
-          <a:chOff x="0" y="0"/>
-          <a:chExt cx="0" cy="0"/>
-        </a:xfrm>
-      </p:grpSpPr>
-      <p:sp>
-        <p:nvSpPr>
-          <p:cNvPr id="4" name="Ellipse 3">
-            <a:extLst>
-              <a:ext uri="{FF2B5EF4-FFF2-40B4-BE49-F238E27FC236}">
-                <a16:creationId xmlns:a16="http://schemas.microsoft.com/office/drawing/2014/main" id="{B49C1902-1C7A-35FD-B471-9269B0455A42}"/>
-              </a:ext>
-            </a:extLst>
-          </p:cNvPr>
-          <p:cNvSpPr/>
-          <p:nvPr/>
-        </p:nvSpPr>
-        <p:spPr>
-          <a:xfrm>
-            <a:off x="296036" y="315849"/>
-            <a:ext cx="4066413" cy="1064895"/>
-          </a:xfrm>
-          <a:prstGeom prst="ellipse">
-            <a:avLst/>
-          </a:prstGeom>
-          <a:solidFill>
-            <a:schemeClr val="bg2"/>
-          </a:solidFill>
-          <a:ln w="3175">
-            <a:solidFill>
-              <a:schemeClr val="tx1">
-                <a:lumMod val="50000"/>
-                <a:lumOff val="50000"/>
-              </a:schemeClr>
-            </a:solidFill>
-          </a:ln>
-        </p:spPr>
-        <p:style>
-          <a:lnRef idx="2">
-            <a:schemeClr val="accent1">
-              <a:shade val="15000"/>
-            </a:schemeClr>
-          </a:lnRef>
-          <a:fillRef idx="1">
-            <a:schemeClr val="accent1"/>
-          </a:fillRef>
-          <a:effectRef idx="0">
-            <a:schemeClr val="accent1"/>
-          </a:effectRef>
-          <a:fontRef idx="minor">
-            <a:schemeClr val="lt1"/>
-          </a:fontRef>
-        </p:style>
-        <p:txBody>
-          <a:bodyPr rtlCol="0" anchor="ctr"/>
-          <a:lstStyle/>
-          <a:p>
-            <a:pPr algn="ctr"/>
-            <a:r>
-              <a:rPr lang="de-DE" dirty="0">
-                <a:solidFill>
-                  <a:schemeClr val="tx1">
-                    <a:lumMod val="75000"/>
-                    <a:lumOff val="25000"/>
-                  </a:schemeClr>
-                </a:solidFill>
-              </a:rPr>
-              <a:t>Anfrage</a:t>
-            </a:r>
-          </a:p>
-          <a:p>
-            <a:pPr algn="ctr"/>
-            <a:r>
-              <a:rPr lang="de-DE" sz="1200" dirty="0">
-                <a:solidFill>
-                  <a:schemeClr val="tx1">
-                    <a:lumMod val="75000"/>
-                    <a:lumOff val="25000"/>
-                  </a:schemeClr>
-                </a:solidFill>
-              </a:rPr>
-              <a:t>„Wann kommt der nächste Bus in die Innenstadt?“</a:t>
-            </a:r>
-          </a:p>
-        </p:txBody>
-      </p:sp>
-      <p:sp>
-        <p:nvSpPr>
-          <p:cNvPr id="5" name="Rechteck 4">
-            <a:extLst>
-              <a:ext uri="{FF2B5EF4-FFF2-40B4-BE49-F238E27FC236}">
-                <a16:creationId xmlns:a16="http://schemas.microsoft.com/office/drawing/2014/main" id="{B14E2528-0B7A-B47E-ABBB-AD4A0BCDC47F}"/>
-              </a:ext>
-            </a:extLst>
-          </p:cNvPr>
-          <p:cNvSpPr/>
-          <p:nvPr/>
-        </p:nvSpPr>
-        <p:spPr>
-          <a:xfrm>
-            <a:off x="6266306" y="168782"/>
-            <a:ext cx="4779645" cy="2246948"/>
-          </a:xfrm>
-          <a:prstGeom prst="rect">
-            <a:avLst/>
-          </a:prstGeom>
-          <a:solidFill>
-            <a:schemeClr val="bg1"/>
-          </a:solidFill>
-          <a:ln w="3175">
-            <a:solidFill>
-              <a:srgbClr val="00B0F0"/>
-            </a:solidFill>
-          </a:ln>
-        </p:spPr>
-        <p:style>
-          <a:lnRef idx="2">
-            <a:schemeClr val="accent1">
-              <a:shade val="15000"/>
-            </a:schemeClr>
-          </a:lnRef>
-          <a:fillRef idx="1">
-            <a:schemeClr val="accent1"/>
-          </a:fillRef>
-          <a:effectRef idx="0">
-            <a:schemeClr val="accent1"/>
-          </a:effectRef>
-          <a:fontRef idx="minor">
-            <a:schemeClr val="lt1"/>
-          </a:fontRef>
-        </p:style>
-        <p:txBody>
-          <a:bodyPr rtlCol="0" anchor="ctr"/>
-          <a:lstStyle/>
-          <a:p>
-            <a:pPr algn="ctr"/>
-            <a:r>
-              <a:rPr lang="de-DE" dirty="0">
-                <a:solidFill>
-                  <a:schemeClr val="tx1">
-                    <a:lumMod val="75000"/>
-                    <a:lumOff val="25000"/>
-                  </a:schemeClr>
-                </a:solidFill>
-              </a:rPr>
-              <a:t>Analyse durch LLM</a:t>
-            </a:r>
-          </a:p>
-          <a:p>
-            <a:pPr algn="ctr"/>
-            <a:endParaRPr lang="de-DE" dirty="0">
-              <a:solidFill>
-                <a:schemeClr val="tx1">
-                  <a:lumMod val="75000"/>
-                  <a:lumOff val="25000"/>
-                </a:schemeClr>
-              </a:solidFill>
-            </a:endParaRPr>
-          </a:p>
-          <a:p>
-            <a:pPr marL="285750" indent="-285750">
-              <a:buFont typeface="Arial" panose="020B0604020202020204" pitchFamily="34" charset="0"/>
-              <a:buChar char="•"/>
-            </a:pPr>
-            <a:r>
-              <a:rPr lang="de-DE" sz="1400" dirty="0">
-                <a:solidFill>
-                  <a:schemeClr val="tx1">
-                    <a:lumMod val="75000"/>
-                    <a:lumOff val="25000"/>
-                  </a:schemeClr>
-                </a:solidFill>
-              </a:rPr>
-              <a:t>Welcher Use Case?</a:t>
-            </a:r>
-          </a:p>
-          <a:p>
-            <a:pPr lvl="1"/>
-            <a:r>
-              <a:rPr lang="de-DE" sz="1400" dirty="0">
-                <a:solidFill>
-                  <a:schemeClr val="tx1">
-                    <a:lumMod val="75000"/>
-                    <a:lumOff val="25000"/>
-                  </a:schemeClr>
-                </a:solidFill>
-              </a:rPr>
-              <a:t>UC1: Einfache Routensuche mit Start u. Ziel,</a:t>
-            </a:r>
-          </a:p>
-          <a:p>
-            <a:pPr lvl="1"/>
-            <a:r>
-              <a:rPr lang="de-DE" sz="1400" dirty="0">
-                <a:solidFill>
-                  <a:schemeClr val="tx1">
-                    <a:lumMod val="75000"/>
-                    <a:lumOff val="25000"/>
-                  </a:schemeClr>
-                </a:solidFill>
-              </a:rPr>
-              <a:t>UC2: Komplexe Routensuche</a:t>
-            </a:r>
-          </a:p>
-          <a:p>
-            <a:pPr lvl="1"/>
-            <a:r>
-              <a:rPr lang="de-DE" sz="1400" dirty="0">
-                <a:solidFill>
-                  <a:schemeClr val="tx1">
-                    <a:lumMod val="75000"/>
-                    <a:lumOff val="25000"/>
-                  </a:schemeClr>
-                </a:solidFill>
-              </a:rPr>
-              <a:t>…</a:t>
-            </a:r>
-          </a:p>
-          <a:p>
-            <a:pPr marL="285750" indent="-285750">
-              <a:buFont typeface="Arial" panose="020B0604020202020204" pitchFamily="34" charset="0"/>
-              <a:buChar char="•"/>
-            </a:pPr>
-            <a:r>
-              <a:rPr lang="de-DE" sz="1400" dirty="0">
-                <a:solidFill>
-                  <a:schemeClr val="tx1">
-                    <a:lumMod val="75000"/>
-                    <a:lumOff val="25000"/>
-                  </a:schemeClr>
-                </a:solidFill>
-              </a:rPr>
-              <a:t>Ermittlung gegebener Parameter je nach Use Case</a:t>
-            </a:r>
-          </a:p>
-          <a:p>
-            <a:pPr lvl="1"/>
-            <a:r>
-              <a:rPr lang="de-DE" sz="1400" dirty="0">
-                <a:solidFill>
-                  <a:schemeClr val="tx1">
-                    <a:lumMod val="75000"/>
-                    <a:lumOff val="25000"/>
-                  </a:schemeClr>
-                </a:solidFill>
-              </a:rPr>
-              <a:t>UC1: </a:t>
-            </a:r>
-            <a:r>
-              <a:rPr lang="de-DE" sz="1400" dirty="0" err="1">
-                <a:solidFill>
-                  <a:schemeClr val="tx1">
-                    <a:lumMod val="75000"/>
-                    <a:lumOff val="25000"/>
-                  </a:schemeClr>
-                </a:solidFill>
-              </a:rPr>
-              <a:t>start</a:t>
-            </a:r>
-            <a:r>
-              <a:rPr lang="de-DE" sz="1400" dirty="0">
-                <a:solidFill>
-                  <a:schemeClr val="tx1">
-                    <a:lumMod val="75000"/>
-                    <a:lumOff val="25000"/>
-                  </a:schemeClr>
-                </a:solidFill>
-              </a:rPr>
-              <a:t> und ziel</a:t>
-            </a:r>
-          </a:p>
-        </p:txBody>
-      </p:sp>
-      <p:sp>
-        <p:nvSpPr>
-          <p:cNvPr id="6" name="Rechteck 5">
-            <a:extLst>
-              <a:ext uri="{FF2B5EF4-FFF2-40B4-BE49-F238E27FC236}">
-                <a16:creationId xmlns:a16="http://schemas.microsoft.com/office/drawing/2014/main" id="{1EFFED85-F99F-F99B-7182-B22DCDF17588}"/>
-              </a:ext>
-            </a:extLst>
-          </p:cNvPr>
-          <p:cNvSpPr/>
-          <p:nvPr/>
-        </p:nvSpPr>
-        <p:spPr>
-          <a:xfrm>
-            <a:off x="6266306" y="2783206"/>
-            <a:ext cx="4892422" cy="2092834"/>
-          </a:xfrm>
-          <a:prstGeom prst="rect">
-            <a:avLst/>
-          </a:prstGeom>
-          <a:solidFill>
-            <a:schemeClr val="bg1"/>
-          </a:solidFill>
-          <a:ln w="3175"/>
-        </p:spPr>
-        <p:style>
-          <a:lnRef idx="2">
-            <a:schemeClr val="accent1">
-              <a:shade val="15000"/>
-            </a:schemeClr>
-          </a:lnRef>
-          <a:fillRef idx="1">
-            <a:schemeClr val="accent1"/>
-          </a:fillRef>
-          <a:effectRef idx="0">
-            <a:schemeClr val="accent1"/>
-          </a:effectRef>
-          <a:fontRef idx="minor">
-            <a:schemeClr val="lt1"/>
-          </a:fontRef>
-        </p:style>
-        <p:txBody>
-          <a:bodyPr rtlCol="0" anchor="ctr"/>
-          <a:lstStyle/>
-          <a:p>
-            <a:pPr algn="ctr"/>
-            <a:r>
-              <a:rPr lang="de-DE" dirty="0">
-                <a:solidFill>
-                  <a:schemeClr val="tx1">
-                    <a:lumMod val="75000"/>
-                    <a:lumOff val="25000"/>
-                  </a:schemeClr>
-                </a:solidFill>
-              </a:rPr>
-              <a:t>Import von Abhängigkeiten (UC1)</a:t>
-            </a:r>
-          </a:p>
-          <a:p>
-            <a:endParaRPr lang="de-DE" dirty="0">
-              <a:solidFill>
-                <a:schemeClr val="tx1">
-                  <a:lumMod val="75000"/>
-                  <a:lumOff val="25000"/>
-                </a:schemeClr>
-              </a:solidFill>
-            </a:endParaRPr>
-          </a:p>
-          <a:p>
-            <a:r>
-              <a:rPr lang="de-DE" sz="1400" dirty="0">
-                <a:solidFill>
-                  <a:schemeClr val="tx1">
-                    <a:lumMod val="75000"/>
-                    <a:lumOff val="25000"/>
-                  </a:schemeClr>
-                </a:solidFill>
-              </a:rPr>
-              <a:t>Fall A: Start/Ziel nicht gegeben</a:t>
-            </a:r>
-          </a:p>
-          <a:p>
-            <a:r>
-              <a:rPr lang="de-DE" sz="1400" dirty="0">
-                <a:solidFill>
-                  <a:schemeClr val="tx1">
-                    <a:lumMod val="75000"/>
-                    <a:lumOff val="25000"/>
-                  </a:schemeClr>
-                </a:solidFill>
-              </a:rPr>
-              <a:t>	-&gt; LLM fragt gezielt nach</a:t>
-            </a:r>
-          </a:p>
-          <a:p>
-            <a:r>
-              <a:rPr lang="de-DE" sz="1400" dirty="0">
-                <a:solidFill>
-                  <a:schemeClr val="tx1">
-                    <a:lumMod val="75000"/>
-                    <a:lumOff val="25000"/>
-                  </a:schemeClr>
-                </a:solidFill>
-              </a:rPr>
-              <a:t>Fall B: Start/Ziel mit </a:t>
-            </a:r>
-            <a:r>
-              <a:rPr lang="de-DE" sz="1400" dirty="0" err="1">
-                <a:solidFill>
-                  <a:schemeClr val="tx1">
-                    <a:lumMod val="75000"/>
-                    <a:lumOff val="25000"/>
-                  </a:schemeClr>
-                </a:solidFill>
-              </a:rPr>
-              <a:t>std.</a:t>
-            </a:r>
-            <a:r>
-              <a:rPr lang="de-DE" sz="1400" dirty="0">
-                <a:solidFill>
-                  <a:schemeClr val="tx1">
-                    <a:lumMod val="75000"/>
-                    <a:lumOff val="25000"/>
-                  </a:schemeClr>
-                </a:solidFill>
-              </a:rPr>
-              <a:t> DB Suche nicht identifizierbar</a:t>
-            </a:r>
-          </a:p>
-          <a:p>
-            <a:r>
-              <a:rPr lang="de-DE" sz="1400" dirty="0">
-                <a:solidFill>
-                  <a:schemeClr val="tx1">
-                    <a:lumMod val="75000"/>
-                    <a:lumOff val="25000"/>
-                  </a:schemeClr>
-                </a:solidFill>
-              </a:rPr>
-              <a:t>	-&gt; Start/Ziel in RAG-System suchen (</a:t>
-            </a:r>
-            <a:r>
-              <a:rPr lang="de-DE" sz="1400" dirty="0" err="1">
-                <a:solidFill>
-                  <a:schemeClr val="tx1">
-                    <a:lumMod val="75000"/>
-                    <a:lumOff val="25000"/>
-                  </a:schemeClr>
-                </a:solidFill>
-              </a:rPr>
-              <a:t>embeddings</a:t>
-            </a:r>
-            <a:r>
-              <a:rPr lang="de-DE" sz="1400" dirty="0">
-                <a:solidFill>
-                  <a:schemeClr val="tx1">
-                    <a:lumMod val="75000"/>
-                    <a:lumOff val="25000"/>
-                  </a:schemeClr>
-                </a:solidFill>
-              </a:rPr>
-              <a:t>) </a:t>
-            </a:r>
-          </a:p>
-        </p:txBody>
-      </p:sp>
-      <p:sp>
-        <p:nvSpPr>
-          <p:cNvPr id="7" name="Rechteck 6">
-            <a:extLst>
-              <a:ext uri="{FF2B5EF4-FFF2-40B4-BE49-F238E27FC236}">
-                <a16:creationId xmlns:a16="http://schemas.microsoft.com/office/drawing/2014/main" id="{7C14DA16-C72A-27CD-32A7-935C46FA6EED}"/>
-              </a:ext>
-            </a:extLst>
-          </p:cNvPr>
-          <p:cNvSpPr/>
-          <p:nvPr/>
-        </p:nvSpPr>
-        <p:spPr>
-          <a:xfrm>
-            <a:off x="222123" y="1817512"/>
-            <a:ext cx="4892422" cy="1894904"/>
-          </a:xfrm>
-          <a:prstGeom prst="rect">
-            <a:avLst/>
-          </a:prstGeom>
-          <a:solidFill>
-            <a:schemeClr val="bg1"/>
-          </a:solidFill>
-          <a:ln w="3175">
-            <a:solidFill>
-              <a:srgbClr val="00B0F0"/>
-            </a:solidFill>
-          </a:ln>
-        </p:spPr>
-        <p:style>
-          <a:lnRef idx="2">
-            <a:schemeClr val="accent1">
-              <a:shade val="15000"/>
-            </a:schemeClr>
-          </a:lnRef>
-          <a:fillRef idx="1">
-            <a:schemeClr val="accent1"/>
-          </a:fillRef>
-          <a:effectRef idx="0">
-            <a:schemeClr val="accent1"/>
-          </a:effectRef>
-          <a:fontRef idx="minor">
-            <a:schemeClr val="lt1"/>
-          </a:fontRef>
-        </p:style>
-        <p:txBody>
-          <a:bodyPr rtlCol="0" anchor="ctr"/>
-          <a:lstStyle/>
-          <a:p>
-            <a:pPr algn="ctr"/>
-            <a:r>
-              <a:rPr lang="de-DE" dirty="0">
-                <a:solidFill>
-                  <a:schemeClr val="tx1">
-                    <a:lumMod val="75000"/>
-                    <a:lumOff val="25000"/>
-                  </a:schemeClr>
-                </a:solidFill>
-              </a:rPr>
-              <a:t>Query an </a:t>
-            </a:r>
-            <a:r>
-              <a:rPr lang="de-DE" dirty="0" err="1">
-                <a:solidFill>
-                  <a:schemeClr val="tx1">
-                    <a:lumMod val="75000"/>
-                    <a:lumOff val="25000"/>
-                  </a:schemeClr>
-                </a:solidFill>
-              </a:rPr>
-              <a:t>Geofox</a:t>
-            </a:r>
-            <a:r>
-              <a:rPr lang="de-DE" dirty="0">
-                <a:solidFill>
-                  <a:schemeClr val="tx1">
-                    <a:lumMod val="75000"/>
-                    <a:lumOff val="25000"/>
-                  </a:schemeClr>
-                </a:solidFill>
-              </a:rPr>
-              <a:t> API</a:t>
-            </a:r>
-          </a:p>
-          <a:p>
-            <a:endParaRPr lang="de-DE" dirty="0">
-              <a:solidFill>
-                <a:schemeClr val="tx1">
-                  <a:lumMod val="75000"/>
-                  <a:lumOff val="25000"/>
-                </a:schemeClr>
-              </a:solidFill>
-            </a:endParaRPr>
-          </a:p>
-        </p:txBody>
-      </p:sp>
-      <p:sp>
-        <p:nvSpPr>
-          <p:cNvPr id="8" name="Rechteck 7">
-            <a:extLst>
-              <a:ext uri="{FF2B5EF4-FFF2-40B4-BE49-F238E27FC236}">
-                <a16:creationId xmlns:a16="http://schemas.microsoft.com/office/drawing/2014/main" id="{F3202419-A031-BE5B-7570-DEFACCAA8D4B}"/>
-              </a:ext>
-            </a:extLst>
-          </p:cNvPr>
-          <p:cNvSpPr/>
-          <p:nvPr/>
-        </p:nvSpPr>
-        <p:spPr>
-          <a:xfrm>
-            <a:off x="6355080" y="187833"/>
-            <a:ext cx="886968" cy="256032"/>
-          </a:xfrm>
-          <a:prstGeom prst="rect">
-            <a:avLst/>
-          </a:prstGeom>
-          <a:solidFill>
-            <a:schemeClr val="bg1"/>
-          </a:solidFill>
-          <a:ln>
-            <a:noFill/>
-          </a:ln>
-        </p:spPr>
-        <p:style>
-          <a:lnRef idx="2">
-            <a:schemeClr val="accent1">
-              <a:shade val="15000"/>
-            </a:schemeClr>
-          </a:lnRef>
-          <a:fillRef idx="1">
-            <a:schemeClr val="accent1"/>
-          </a:fillRef>
-          <a:effectRef idx="0">
-            <a:schemeClr val="accent1"/>
-          </a:effectRef>
-          <a:fontRef idx="minor">
-            <a:schemeClr val="lt1"/>
-          </a:fontRef>
-        </p:style>
-        <p:txBody>
-          <a:bodyPr rtlCol="0" anchor="ctr"/>
-          <a:lstStyle/>
-          <a:p>
-            <a:r>
-              <a:rPr lang="de-DE" dirty="0" err="1">
-                <a:solidFill>
-                  <a:schemeClr val="bg1">
-                    <a:lumMod val="65000"/>
-                  </a:schemeClr>
-                </a:solidFill>
-              </a:rPr>
-              <a:t>Step</a:t>
-            </a:r>
-            <a:r>
-              <a:rPr lang="de-DE" dirty="0">
-                <a:solidFill>
-                  <a:schemeClr val="bg1">
-                    <a:lumMod val="65000"/>
-                  </a:schemeClr>
-                </a:solidFill>
-              </a:rPr>
-              <a:t> 1</a:t>
-            </a:r>
-          </a:p>
-        </p:txBody>
-      </p:sp>
-      <p:sp>
-        <p:nvSpPr>
-          <p:cNvPr id="9" name="Rechteck 8">
-            <a:extLst>
-              <a:ext uri="{FF2B5EF4-FFF2-40B4-BE49-F238E27FC236}">
-                <a16:creationId xmlns:a16="http://schemas.microsoft.com/office/drawing/2014/main" id="{A4604897-C41B-4569-22FF-7C7E79037A4A}"/>
-              </a:ext>
-            </a:extLst>
-          </p:cNvPr>
-          <p:cNvSpPr/>
-          <p:nvPr/>
-        </p:nvSpPr>
-        <p:spPr>
-          <a:xfrm>
-            <a:off x="6280022" y="2863977"/>
-            <a:ext cx="886968" cy="256032"/>
-          </a:xfrm>
-          <a:prstGeom prst="rect">
-            <a:avLst/>
-          </a:prstGeom>
-          <a:solidFill>
-            <a:schemeClr val="bg1"/>
-          </a:solidFill>
-          <a:ln>
-            <a:noFill/>
-          </a:ln>
-        </p:spPr>
-        <p:style>
-          <a:lnRef idx="2">
-            <a:schemeClr val="accent1">
-              <a:shade val="15000"/>
-            </a:schemeClr>
-          </a:lnRef>
-          <a:fillRef idx="1">
-            <a:schemeClr val="accent1"/>
-          </a:fillRef>
-          <a:effectRef idx="0">
-            <a:schemeClr val="accent1"/>
-          </a:effectRef>
-          <a:fontRef idx="minor">
-            <a:schemeClr val="lt1"/>
-          </a:fontRef>
-        </p:style>
-        <p:txBody>
-          <a:bodyPr rtlCol="0" anchor="ctr"/>
-          <a:lstStyle/>
-          <a:p>
-            <a:r>
-              <a:rPr lang="de-DE" dirty="0" err="1">
-                <a:solidFill>
-                  <a:schemeClr val="bg1">
-                    <a:lumMod val="65000"/>
-                  </a:schemeClr>
-                </a:solidFill>
-              </a:rPr>
-              <a:t>Step</a:t>
-            </a:r>
-            <a:r>
-              <a:rPr lang="de-DE" dirty="0">
-                <a:solidFill>
-                  <a:schemeClr val="bg1">
-                    <a:lumMod val="65000"/>
-                  </a:schemeClr>
-                </a:solidFill>
-              </a:rPr>
-              <a:t> 2</a:t>
-            </a:r>
-          </a:p>
-        </p:txBody>
-      </p:sp>
-      <p:sp>
-        <p:nvSpPr>
-          <p:cNvPr id="10" name="Rechteck 9">
-            <a:extLst>
-              <a:ext uri="{FF2B5EF4-FFF2-40B4-BE49-F238E27FC236}">
-                <a16:creationId xmlns:a16="http://schemas.microsoft.com/office/drawing/2014/main" id="{63E774F2-CBFE-100A-BDF3-D25F811BF157}"/>
-              </a:ext>
-            </a:extLst>
-          </p:cNvPr>
-          <p:cNvSpPr/>
-          <p:nvPr/>
-        </p:nvSpPr>
-        <p:spPr>
-          <a:xfrm>
-            <a:off x="222123" y="4237672"/>
-            <a:ext cx="4892422" cy="1894904"/>
-          </a:xfrm>
-          <a:prstGeom prst="rect">
-            <a:avLst/>
-          </a:prstGeom>
-          <a:solidFill>
-            <a:schemeClr val="bg1"/>
-          </a:solidFill>
-          <a:ln w="3175">
-            <a:solidFill>
-              <a:srgbClr val="00B0F0"/>
-            </a:solidFill>
-          </a:ln>
-        </p:spPr>
-        <p:style>
-          <a:lnRef idx="2">
-            <a:schemeClr val="accent1">
-              <a:shade val="15000"/>
-            </a:schemeClr>
-          </a:lnRef>
-          <a:fillRef idx="1">
-            <a:schemeClr val="accent1"/>
-          </a:fillRef>
-          <a:effectRef idx="0">
-            <a:schemeClr val="accent1"/>
-          </a:effectRef>
-          <a:fontRef idx="minor">
-            <a:schemeClr val="lt1"/>
-          </a:fontRef>
-        </p:style>
-        <p:txBody>
-          <a:bodyPr rtlCol="0" anchor="ctr"/>
-          <a:lstStyle/>
-          <a:p>
-            <a:pPr algn="ctr"/>
-            <a:r>
-              <a:rPr lang="de-DE" dirty="0">
-                <a:solidFill>
-                  <a:schemeClr val="tx1">
-                    <a:lumMod val="75000"/>
-                    <a:lumOff val="25000"/>
-                  </a:schemeClr>
-                </a:solidFill>
-              </a:rPr>
-              <a:t>LLM generiert Antwort für Nutzer</a:t>
-            </a:r>
-          </a:p>
-          <a:p>
-            <a:endParaRPr lang="de-DE" dirty="0">
-              <a:solidFill>
-                <a:schemeClr val="tx1">
-                  <a:lumMod val="75000"/>
-                  <a:lumOff val="25000"/>
-                </a:schemeClr>
-              </a:solidFill>
-            </a:endParaRPr>
-          </a:p>
-          <a:p>
-            <a:pPr marL="285750" indent="-285750">
-              <a:buFontTx/>
-              <a:buChar char="-"/>
-            </a:pPr>
-            <a:r>
-              <a:rPr lang="de-DE" sz="1400" dirty="0" err="1">
-                <a:solidFill>
-                  <a:schemeClr val="tx1">
-                    <a:lumMod val="75000"/>
-                    <a:lumOff val="25000"/>
-                  </a:schemeClr>
-                </a:solidFill>
-              </a:rPr>
-              <a:t>Llm</a:t>
-            </a:r>
-            <a:r>
-              <a:rPr lang="de-DE" sz="1400" dirty="0">
-                <a:solidFill>
-                  <a:schemeClr val="tx1">
-                    <a:lumMod val="75000"/>
-                    <a:lumOff val="25000"/>
-                  </a:schemeClr>
-                </a:solidFill>
-              </a:rPr>
-              <a:t> erhält als </a:t>
-            </a:r>
-            <a:r>
-              <a:rPr lang="de-DE" sz="1400" dirty="0" err="1">
-                <a:solidFill>
-                  <a:schemeClr val="tx1">
-                    <a:lumMod val="75000"/>
-                    <a:lumOff val="25000"/>
-                  </a:schemeClr>
-                </a:solidFill>
-              </a:rPr>
-              <a:t>kontext</a:t>
-            </a:r>
-            <a:r>
-              <a:rPr lang="de-DE" sz="1400" dirty="0">
-                <a:solidFill>
-                  <a:schemeClr val="tx1">
-                    <a:lumMod val="75000"/>
-                    <a:lumOff val="25000"/>
-                  </a:schemeClr>
-                </a:solidFill>
-              </a:rPr>
-              <a:t>: </a:t>
-            </a:r>
-          </a:p>
-          <a:p>
-            <a:pPr marL="742950" lvl="1" indent="-285750">
-              <a:buFontTx/>
-              <a:buChar char="-"/>
-            </a:pPr>
-            <a:r>
-              <a:rPr lang="de-DE" sz="1400" dirty="0">
-                <a:solidFill>
-                  <a:schemeClr val="tx1">
-                    <a:lumMod val="75000"/>
-                    <a:lumOff val="25000"/>
-                  </a:schemeClr>
-                </a:solidFill>
-              </a:rPr>
-              <a:t>Nutzeranfrage, </a:t>
-            </a:r>
-          </a:p>
-          <a:p>
-            <a:pPr marL="742950" lvl="1" indent="-285750">
-              <a:buFontTx/>
-              <a:buChar char="-"/>
-            </a:pPr>
-            <a:r>
-              <a:rPr lang="de-DE" sz="1400" dirty="0">
-                <a:solidFill>
-                  <a:schemeClr val="tx1">
-                    <a:lumMod val="75000"/>
-                    <a:lumOff val="25000"/>
-                  </a:schemeClr>
-                </a:solidFill>
-              </a:rPr>
-              <a:t>Ergebnis aus </a:t>
-            </a:r>
-            <a:r>
-              <a:rPr lang="de-DE" sz="1400" dirty="0" err="1">
-                <a:solidFill>
-                  <a:schemeClr val="tx1">
-                    <a:lumMod val="75000"/>
-                    <a:lumOff val="25000"/>
-                  </a:schemeClr>
-                </a:solidFill>
-              </a:rPr>
-              <a:t>Step</a:t>
-            </a:r>
-            <a:r>
-              <a:rPr lang="de-DE" sz="1400" dirty="0">
-                <a:solidFill>
-                  <a:schemeClr val="tx1">
-                    <a:lumMod val="75000"/>
-                    <a:lumOff val="25000"/>
-                  </a:schemeClr>
-                </a:solidFill>
-              </a:rPr>
-              <a:t> 3 </a:t>
-            </a:r>
-          </a:p>
-        </p:txBody>
-      </p:sp>
-      <p:sp>
-        <p:nvSpPr>
-          <p:cNvPr id="11" name="Rechteck 10">
-            <a:extLst>
-              <a:ext uri="{FF2B5EF4-FFF2-40B4-BE49-F238E27FC236}">
-                <a16:creationId xmlns:a16="http://schemas.microsoft.com/office/drawing/2014/main" id="{8861A0EE-2861-054C-CF88-85BAB8AA1429}"/>
-              </a:ext>
-            </a:extLst>
-          </p:cNvPr>
-          <p:cNvSpPr/>
-          <p:nvPr/>
-        </p:nvSpPr>
-        <p:spPr>
-          <a:xfrm>
-            <a:off x="4227577" y="1835942"/>
-            <a:ext cx="886968" cy="256032"/>
-          </a:xfrm>
-          <a:prstGeom prst="rect">
-            <a:avLst/>
-          </a:prstGeom>
-          <a:solidFill>
-            <a:schemeClr val="bg1"/>
-          </a:solidFill>
-          <a:ln>
-            <a:noFill/>
-          </a:ln>
-        </p:spPr>
-        <p:style>
-          <a:lnRef idx="2">
-            <a:schemeClr val="accent1">
-              <a:shade val="15000"/>
-            </a:schemeClr>
-          </a:lnRef>
-          <a:fillRef idx="1">
-            <a:schemeClr val="accent1"/>
-          </a:fillRef>
-          <a:effectRef idx="0">
-            <a:schemeClr val="accent1"/>
-          </a:effectRef>
-          <a:fontRef idx="minor">
-            <a:schemeClr val="lt1"/>
-          </a:fontRef>
-        </p:style>
-        <p:txBody>
-          <a:bodyPr rtlCol="0" anchor="ctr"/>
-          <a:lstStyle/>
-          <a:p>
-            <a:r>
-              <a:rPr lang="de-DE" dirty="0" err="1">
-                <a:solidFill>
-                  <a:schemeClr val="bg1">
-                    <a:lumMod val="65000"/>
-                  </a:schemeClr>
-                </a:solidFill>
-              </a:rPr>
-              <a:t>Step</a:t>
-            </a:r>
-            <a:r>
-              <a:rPr lang="de-DE" dirty="0">
-                <a:solidFill>
-                  <a:schemeClr val="bg1">
-                    <a:lumMod val="65000"/>
-                  </a:schemeClr>
-                </a:solidFill>
-              </a:rPr>
-              <a:t> 3</a:t>
-            </a:r>
-          </a:p>
-        </p:txBody>
-      </p:sp>
-      <p:sp>
-        <p:nvSpPr>
-          <p:cNvPr id="12" name="Rechteck 11">
-            <a:extLst>
-              <a:ext uri="{FF2B5EF4-FFF2-40B4-BE49-F238E27FC236}">
-                <a16:creationId xmlns:a16="http://schemas.microsoft.com/office/drawing/2014/main" id="{CACBD0F0-9B19-FE6A-3542-A2A77E83A262}"/>
-              </a:ext>
-            </a:extLst>
-          </p:cNvPr>
-          <p:cNvSpPr/>
-          <p:nvPr/>
-        </p:nvSpPr>
-        <p:spPr>
-          <a:xfrm>
-            <a:off x="4188713" y="4266677"/>
-            <a:ext cx="886968" cy="256032"/>
-          </a:xfrm>
-          <a:prstGeom prst="rect">
-            <a:avLst/>
-          </a:prstGeom>
-          <a:solidFill>
-            <a:schemeClr val="bg1"/>
-          </a:solidFill>
-          <a:ln>
-            <a:noFill/>
-          </a:ln>
-        </p:spPr>
-        <p:style>
-          <a:lnRef idx="2">
-            <a:schemeClr val="accent1">
-              <a:shade val="15000"/>
-            </a:schemeClr>
-          </a:lnRef>
-          <a:fillRef idx="1">
-            <a:schemeClr val="accent1"/>
-          </a:fillRef>
-          <a:effectRef idx="0">
-            <a:schemeClr val="accent1"/>
-          </a:effectRef>
-          <a:fontRef idx="minor">
-            <a:schemeClr val="lt1"/>
-          </a:fontRef>
-        </p:style>
-        <p:txBody>
-          <a:bodyPr rtlCol="0" anchor="ctr"/>
-          <a:lstStyle/>
-          <a:p>
-            <a:r>
-              <a:rPr lang="de-DE" dirty="0" err="1">
-                <a:solidFill>
-                  <a:schemeClr val="bg1">
-                    <a:lumMod val="65000"/>
-                  </a:schemeClr>
-                </a:solidFill>
-              </a:rPr>
-              <a:t>Step</a:t>
-            </a:r>
-            <a:r>
-              <a:rPr lang="de-DE" dirty="0">
-                <a:solidFill>
-                  <a:schemeClr val="bg1">
-                    <a:lumMod val="65000"/>
-                  </a:schemeClr>
-                </a:solidFill>
-              </a:rPr>
-              <a:t> 4</a:t>
-            </a:r>
-          </a:p>
-        </p:txBody>
-      </p:sp>
-      <p:cxnSp>
-        <p:nvCxnSpPr>
-          <p:cNvPr id="14" name="Verbinder: gewinkelt 13">
-            <a:extLst>
-              <a:ext uri="{FF2B5EF4-FFF2-40B4-BE49-F238E27FC236}">
-                <a16:creationId xmlns:a16="http://schemas.microsoft.com/office/drawing/2014/main" id="{CC06CDC9-8176-2D7D-D57E-0DD60CA404B8}"/>
-              </a:ext>
-            </a:extLst>
-          </p:cNvPr>
-          <p:cNvCxnSpPr>
-            <a:cxnSpLocks/>
-            <a:stCxn id="4" idx="6"/>
-            <a:endCxn id="5" idx="1"/>
-          </p:cNvCxnSpPr>
-          <p:nvPr/>
-        </p:nvCxnSpPr>
-        <p:spPr>
-          <a:xfrm>
-            <a:off x="4362449" y="848297"/>
-            <a:ext cx="1903857" cy="443959"/>
-          </a:xfrm>
-          <a:prstGeom prst="bentConnector3">
-            <a:avLst/>
-          </a:prstGeom>
-          <a:ln>
-            <a:tailEnd type="triangle"/>
-          </a:ln>
-        </p:spPr>
-        <p:style>
-          <a:lnRef idx="2">
-            <a:schemeClr val="accent1"/>
-          </a:lnRef>
-          <a:fillRef idx="0">
-            <a:schemeClr val="accent1"/>
-          </a:fillRef>
-          <a:effectRef idx="1">
-            <a:schemeClr val="accent1"/>
-          </a:effectRef>
-          <a:fontRef idx="minor">
-            <a:schemeClr val="tx1"/>
-          </a:fontRef>
-        </p:style>
-      </p:cxnSp>
-      <p:cxnSp>
-        <p:nvCxnSpPr>
-          <p:cNvPr id="15" name="Verbinder: gewinkelt 14">
-            <a:extLst>
-              <a:ext uri="{FF2B5EF4-FFF2-40B4-BE49-F238E27FC236}">
-                <a16:creationId xmlns:a16="http://schemas.microsoft.com/office/drawing/2014/main" id="{DCC096F8-C246-0E89-13C6-CCC24C723BBF}"/>
-              </a:ext>
-            </a:extLst>
-          </p:cNvPr>
-          <p:cNvCxnSpPr>
-            <a:cxnSpLocks/>
-            <a:stCxn id="5" idx="2"/>
-            <a:endCxn id="6" idx="0"/>
-          </p:cNvCxnSpPr>
-          <p:nvPr/>
-        </p:nvCxnSpPr>
-        <p:spPr>
-          <a:xfrm rot="16200000" flipH="1">
-            <a:off x="8500585" y="2571274"/>
-            <a:ext cx="367476" cy="56388"/>
-          </a:xfrm>
-          <a:prstGeom prst="bentConnector3">
-            <a:avLst>
-              <a:gd name="adj1" fmla="val 50000"/>
-            </a:avLst>
-          </a:prstGeom>
-          <a:ln>
-            <a:tailEnd type="triangle"/>
-          </a:ln>
-        </p:spPr>
-        <p:style>
-          <a:lnRef idx="2">
-            <a:schemeClr val="accent1"/>
-          </a:lnRef>
-          <a:fillRef idx="0">
-            <a:schemeClr val="accent1"/>
-          </a:fillRef>
-          <a:effectRef idx="1">
-            <a:schemeClr val="accent1"/>
-          </a:effectRef>
-          <a:fontRef idx="minor">
-            <a:schemeClr val="tx1"/>
-          </a:fontRef>
-        </p:style>
-      </p:cxnSp>
-      <p:cxnSp>
-        <p:nvCxnSpPr>
-          <p:cNvPr id="18" name="Verbinder: gewinkelt 17">
-            <a:extLst>
-              <a:ext uri="{FF2B5EF4-FFF2-40B4-BE49-F238E27FC236}">
-                <a16:creationId xmlns:a16="http://schemas.microsoft.com/office/drawing/2014/main" id="{9C0BD8AD-2091-79AA-68DC-8B564C605E69}"/>
-              </a:ext>
-            </a:extLst>
-          </p:cNvPr>
-          <p:cNvCxnSpPr>
-            <a:cxnSpLocks/>
-            <a:stCxn id="6" idx="1"/>
-            <a:endCxn id="7" idx="3"/>
-          </p:cNvCxnSpPr>
-          <p:nvPr/>
-        </p:nvCxnSpPr>
-        <p:spPr>
-          <a:xfrm rot="10800000">
-            <a:off x="5114546" y="2764965"/>
-            <a:ext cx="1151761" cy="1064659"/>
-          </a:xfrm>
-          <a:prstGeom prst="bentConnector3">
-            <a:avLst>
-              <a:gd name="adj1" fmla="val 50000"/>
-            </a:avLst>
-          </a:prstGeom>
-          <a:ln>
-            <a:tailEnd type="triangle"/>
-          </a:ln>
-        </p:spPr>
-        <p:style>
-          <a:lnRef idx="2">
-            <a:schemeClr val="accent1"/>
-          </a:lnRef>
-          <a:fillRef idx="0">
-            <a:schemeClr val="accent1"/>
-          </a:fillRef>
-          <a:effectRef idx="1">
-            <a:schemeClr val="accent1"/>
-          </a:effectRef>
-          <a:fontRef idx="minor">
-            <a:schemeClr val="tx1"/>
-          </a:fontRef>
-        </p:style>
-      </p:cxnSp>
-      <p:cxnSp>
-        <p:nvCxnSpPr>
-          <p:cNvPr id="21" name="Verbinder: gewinkelt 20">
-            <a:extLst>
-              <a:ext uri="{FF2B5EF4-FFF2-40B4-BE49-F238E27FC236}">
-                <a16:creationId xmlns:a16="http://schemas.microsoft.com/office/drawing/2014/main" id="{0689C1FA-5281-3B99-65EC-73302083C0F5}"/>
-              </a:ext>
-            </a:extLst>
-          </p:cNvPr>
-          <p:cNvCxnSpPr>
-            <a:cxnSpLocks/>
-            <a:stCxn id="7" idx="2"/>
-            <a:endCxn id="10" idx="0"/>
-          </p:cNvCxnSpPr>
-          <p:nvPr/>
-        </p:nvCxnSpPr>
-        <p:spPr>
-          <a:xfrm rot="5400000">
-            <a:off x="2405706" y="3975044"/>
-            <a:ext cx="525256" cy="12700"/>
-          </a:xfrm>
-          <a:prstGeom prst="bentConnector3">
-            <a:avLst>
-              <a:gd name="adj1" fmla="val 50000"/>
-            </a:avLst>
-          </a:prstGeom>
-          <a:ln>
-            <a:tailEnd type="triangle"/>
-          </a:ln>
-        </p:spPr>
-        <p:style>
-          <a:lnRef idx="2">
-            <a:schemeClr val="accent1"/>
-          </a:lnRef>
-          <a:fillRef idx="0">
-            <a:schemeClr val="accent1"/>
-          </a:fillRef>
-          <a:effectRef idx="1">
-            <a:schemeClr val="accent1"/>
-          </a:effectRef>
-          <a:fontRef idx="minor">
-            <a:schemeClr val="tx1"/>
-          </a:fontRef>
-        </p:style>
-      </p:cxnSp>
-    </p:spTree>
-    <p:extLst>
-      <p:ext uri="{BB962C8B-B14F-4D97-AF65-F5344CB8AC3E}">
-        <p14:creationId xmlns:p14="http://schemas.microsoft.com/office/powerpoint/2010/main" val="2298127449"/>
       </p:ext>
     </p:extLst>
   </p:cSld>
